--- a/project/planning.pptx
+++ b/project/planning.pptx
@@ -5037,7 +5037,7 @@
           <p:nvPr>
             <p:extLst>
               <p:ext uri="{D42A27DB-BD31-4B8C-83A1-F6EECF244321}">
-                <p14:modId xmlns:p14="http://schemas.microsoft.com/office/powerpoint/2010/main" val="3400213369"/>
+                <p14:modId xmlns:p14="http://schemas.microsoft.com/office/powerpoint/2010/main" val="224368898"/>
               </p:ext>
             </p:extLst>
           </p:nvPr>
@@ -5683,8 +5683,44 @@
                           <a:ea typeface="+mn-ea"/>
                           <a:cs typeface="+mn-cs"/>
                         </a:rPr>
-                        <a:t>Placing the menu item</a:t>
-                      </a:r>
+                        <a:t>Placing the menu item,</a:t>
+                      </a:r>
+                    </a:p>
+                    <a:p>
+                      <a:pPr algn="l"/>
+                      <a:r>
+                        <a:rPr lang="en-US" sz="1200" b="0" i="0" kern="1200" dirty="0">
+                          <a:solidFill>
+                            <a:schemeClr val="dk1"/>
+                          </a:solidFill>
+                          <a:effectLst/>
+                          <a:latin typeface="+mn-lt"/>
+                          <a:ea typeface="+mn-ea"/>
+                          <a:cs typeface="+mn-cs"/>
+                        </a:rPr>
+                        <a:t>Create </a:t>
+                      </a:r>
+                      <a:r>
+                        <a:rPr lang="en-US" sz="1200" b="0" i="0" kern="1200" dirty="0" err="1">
+                          <a:solidFill>
+                            <a:schemeClr val="dk1"/>
+                          </a:solidFill>
+                          <a:effectLst/>
+                          <a:latin typeface="+mn-lt"/>
+                          <a:ea typeface="+mn-ea"/>
+                          <a:cs typeface="+mn-cs"/>
+                        </a:rPr>
+                        <a:t>userContxt</a:t>
+                      </a:r>
+                      <a:endParaRPr lang="en-US" sz="1200" b="0" i="0" kern="1200" dirty="0">
+                        <a:solidFill>
+                          <a:schemeClr val="dk1"/>
+                        </a:solidFill>
+                        <a:effectLst/>
+                        <a:latin typeface="+mn-lt"/>
+                        <a:ea typeface="+mn-ea"/>
+                        <a:cs typeface="+mn-cs"/>
+                      </a:endParaRPr>
                     </a:p>
                   </a:txBody>
                   <a:tcPr marT="45721" marB="45721"/>
@@ -6241,14 +6277,14 @@
           <p:nvPr>
             <p:extLst>
               <p:ext uri="{D42A27DB-BD31-4B8C-83A1-F6EECF244321}">
-                <p14:modId xmlns:p14="http://schemas.microsoft.com/office/powerpoint/2010/main" val="4032658231"/>
+                <p14:modId xmlns:p14="http://schemas.microsoft.com/office/powerpoint/2010/main" val="3561623104"/>
               </p:ext>
             </p:extLst>
           </p:nvPr>
         </p:nvGraphicFramePr>
         <p:xfrm>
-          <a:off x="501832" y="425998"/>
-          <a:ext cx="11188335" cy="6243636"/>
+          <a:off x="612668" y="59309"/>
+          <a:ext cx="11188335" cy="6480081"/>
         </p:xfrm>
         <a:graphic>
           <a:graphicData uri="http://schemas.openxmlformats.org/drawingml/2006/table">
@@ -6264,35 +6300,35 @@
                     </a:ext>
                   </a:extLst>
                 </a:gridCol>
-                <a:gridCol w="2185735">
+                <a:gridCol w="1727448">
                   <a:extLst>
                     <a:ext uri="{9D8B030D-6E8A-4147-A177-3AD203B41FA5}">
                       <a16:colId xmlns:a16="http://schemas.microsoft.com/office/drawing/2014/main" val="1880985765"/>
                     </a:ext>
                   </a:extLst>
                 </a:gridCol>
-                <a:gridCol w="1567543">
+                <a:gridCol w="1531620">
                   <a:extLst>
                     <a:ext uri="{9D8B030D-6E8A-4147-A177-3AD203B41FA5}">
                       <a16:colId xmlns:a16="http://schemas.microsoft.com/office/drawing/2014/main" val="3887272854"/>
                     </a:ext>
                   </a:extLst>
                 </a:gridCol>
-                <a:gridCol w="1074057">
+                <a:gridCol w="1394460">
                   <a:extLst>
                     <a:ext uri="{9D8B030D-6E8A-4147-A177-3AD203B41FA5}">
                       <a16:colId xmlns:a16="http://schemas.microsoft.com/office/drawing/2014/main" val="1989503371"/>
                     </a:ext>
                   </a:extLst>
                 </a:gridCol>
-                <a:gridCol w="1799772">
+                <a:gridCol w="1943100">
                   <a:extLst>
                     <a:ext uri="{9D8B030D-6E8A-4147-A177-3AD203B41FA5}">
                       <a16:colId xmlns:a16="http://schemas.microsoft.com/office/drawing/2014/main" val="2413159262"/>
                     </a:ext>
                   </a:extLst>
                 </a:gridCol>
-                <a:gridCol w="1560284">
+                <a:gridCol w="1590763">
                   <a:extLst>
                     <a:ext uri="{9D8B030D-6E8A-4147-A177-3AD203B41FA5}">
                       <a16:colId xmlns:a16="http://schemas.microsoft.com/office/drawing/2014/main" val="3564299130"/>
@@ -6307,7 +6343,7 @@
                   </a:extLst>
                 </a:gridCol>
               </a:tblGrid>
-              <a:tr h="592576">
+              <a:tr h="267422">
                 <a:tc>
                   <a:txBody>
                     <a:bodyPr/>
@@ -6754,7 +6790,26 @@
                       <a:pPr algn="l" rtl="0"/>
                       <a:r>
                         <a:rPr lang="en-US" sz="1200" dirty="0"/>
-                        <a:t>Show recipe details</a:t>
+                        <a:t>Show recipe details,</a:t>
+                      </a:r>
+                    </a:p>
+                    <a:p>
+                      <a:pPr algn="l" rtl="0"/>
+                      <a:r>
+                        <a:rPr lang="en-US" sz="1200" dirty="0"/>
+                        <a:t>Get the </a:t>
+                      </a:r>
+                      <a:r>
+                        <a:rPr lang="en-US" sz="1200" dirty="0" err="1"/>
+                        <a:t>recipeId</a:t>
+                      </a:r>
+                      <a:r>
+                        <a:rPr lang="en-US" sz="1200" dirty="0"/>
+                        <a:t> from the </a:t>
+                      </a:r>
+                      <a:r>
+                        <a:rPr lang="en-US" sz="1200" dirty="0" err="1"/>
+                        <a:t>url</a:t>
                       </a:r>
                       <a:endParaRPr lang="he-IL" sz="1200" dirty="0"/>
                     </a:p>
@@ -6912,7 +6967,7 @@
                       <a:pPr algn="l" rtl="0"/>
                       <a:r>
                         <a:rPr lang="en-US" sz="1200" dirty="0"/>
-                        <a:t>A form to add a recipe</a:t>
+                        <a:t>A form to add a recipe when the user is login</a:t>
                       </a:r>
                       <a:endParaRPr lang="he-IL" sz="1200" dirty="0"/>
                     </a:p>
@@ -7054,7 +7109,14 @@
                       </a:r>
                       <a:r>
                         <a:rPr lang="en-US" sz="1200" dirty="0"/>
-                        <a:t> to sign in / up</a:t>
+                        <a:t> to sign in / up,</a:t>
+                      </a:r>
+                    </a:p>
+                    <a:p>
+                      <a:pPr algn="l" rtl="0"/>
+                      <a:r>
+                        <a:rPr lang="en-US" sz="1200" dirty="0"/>
+                        <a:t>(When the user is not logged in, Shows two buttons. As soon as the user clicks, he goes to the system login component.)</a:t>
                       </a:r>
                       <a:endParaRPr lang="he-IL" sz="1200" dirty="0"/>
                     </a:p>
@@ -7762,7 +7824,7 @@
                       <a:pPr algn="l" rtl="0"/>
                       <a:r>
                         <a:rPr lang="en-US" sz="1200" dirty="0" err="1"/>
-                        <a:t>setUpdatre</a:t>
+                        <a:t>setUpdate</a:t>
                       </a:r>
                       <a:r>
                         <a:rPr lang="en-US" sz="1200" dirty="0"/>

--- a/project/planning.pptx
+++ b/project/planning.pptx
@@ -3395,10 +3395,10 @@
       </p:grpSpPr>
       <p:sp>
         <p:nvSpPr>
-          <p:cNvPr id="4" name="מלבן 3">
-            <a:extLst>
-              <a:ext uri="{FF2B5EF4-FFF2-40B4-BE49-F238E27FC236}">
-                <a16:creationId xmlns:a16="http://schemas.microsoft.com/office/drawing/2014/main" id="{AED28D89-CC42-40B9-B4A7-A6DC718E0786}"/>
+          <p:cNvPr id="2" name="מלבן 1">
+            <a:extLst>
+              <a:ext uri="{FF2B5EF4-FFF2-40B4-BE49-F238E27FC236}">
+                <a16:creationId xmlns:a16="http://schemas.microsoft.com/office/drawing/2014/main" id="{7DB2ACDD-B00A-EA12-DF2B-C41B69570A4F}"/>
               </a:ext>
             </a:extLst>
           </p:cNvPr>
@@ -3445,10 +3445,10 @@
       </p:sp>
       <p:sp>
         <p:nvSpPr>
-          <p:cNvPr id="5" name="מלבן 4">
-            <a:extLst>
-              <a:ext uri="{FF2B5EF4-FFF2-40B4-BE49-F238E27FC236}">
-                <a16:creationId xmlns:a16="http://schemas.microsoft.com/office/drawing/2014/main" id="{9D2F9962-E1BD-4A8F-B922-3EB9D3DB2909}"/>
+          <p:cNvPr id="3" name="מלבן 2">
+            <a:extLst>
+              <a:ext uri="{FF2B5EF4-FFF2-40B4-BE49-F238E27FC236}">
+                <a16:creationId xmlns:a16="http://schemas.microsoft.com/office/drawing/2014/main" id="{C324F52F-DEDA-EDE9-6F87-9BD3B66F94F2}"/>
               </a:ext>
             </a:extLst>
           </p:cNvPr>
@@ -3457,61 +3457,7 @@
         </p:nvSpPr>
         <p:spPr>
           <a:xfrm>
-            <a:off x="4934856" y="890060"/>
-            <a:ext cx="2351315" cy="509451"/>
-          </a:xfrm>
-          <a:prstGeom prst="rect">
-            <a:avLst/>
-          </a:prstGeom>
-        </p:spPr>
-        <p:style>
-          <a:lnRef idx="2">
-            <a:schemeClr val="accent1">
-              <a:shade val="50000"/>
-            </a:schemeClr>
-          </a:lnRef>
-          <a:fillRef idx="1">
-            <a:schemeClr val="accent1"/>
-          </a:fillRef>
-          <a:effectRef idx="0">
-            <a:schemeClr val="accent1"/>
-          </a:effectRef>
-          <a:fontRef idx="minor">
-            <a:schemeClr val="lt1"/>
-          </a:fontRef>
-        </p:style>
-        <p:txBody>
-          <a:bodyPr rtlCol="1" anchor="ctr"/>
-          <a:lstStyle/>
-          <a:p>
-            <a:pPr algn="ctr"/>
-            <a:r>
-              <a:rPr lang="en-US" sz="1801" dirty="0" err="1"/>
-              <a:t>UserContextReducer</a:t>
-            </a:r>
-            <a:endParaRPr lang="en-US" sz="1801" dirty="0"/>
-          </a:p>
-          <a:p>
-            <a:pPr algn="ctr"/>
-            <a:endParaRPr lang="he-IL" sz="1801" dirty="0"/>
-          </a:p>
-        </p:txBody>
-      </p:sp>
-      <p:sp>
-        <p:nvSpPr>
-          <p:cNvPr id="6" name="מלבן 5">
-            <a:extLst>
-              <a:ext uri="{FF2B5EF4-FFF2-40B4-BE49-F238E27FC236}">
-                <a16:creationId xmlns:a16="http://schemas.microsoft.com/office/drawing/2014/main" id="{9BB19145-9E8F-4240-9F58-8AAD9EB3A74E}"/>
-              </a:ext>
-            </a:extLst>
-          </p:cNvPr>
-          <p:cNvSpPr/>
-          <p:nvPr/>
-        </p:nvSpPr>
-        <p:spPr>
-          <a:xfrm>
-            <a:off x="5313681" y="1618152"/>
+            <a:off x="5313680" y="890060"/>
             <a:ext cx="1593669" cy="509451"/>
           </a:xfrm>
           <a:prstGeom prst="rect">
@@ -3539,6 +3485,64 @@
           <a:lstStyle/>
           <a:p>
             <a:pPr algn="ctr"/>
+            <a:endParaRPr lang="en-US" sz="1801" dirty="0"/>
+          </a:p>
+          <a:p>
+            <a:pPr algn="ctr"/>
+            <a:r>
+              <a:rPr lang="en-US" sz="1600" dirty="0" err="1"/>
+              <a:t>contextProvider</a:t>
+            </a:r>
+            <a:endParaRPr lang="en-US" sz="1600" dirty="0"/>
+          </a:p>
+          <a:p>
+            <a:pPr algn="ctr"/>
+            <a:endParaRPr lang="he-IL" sz="1801" dirty="0"/>
+          </a:p>
+        </p:txBody>
+      </p:sp>
+      <p:sp>
+        <p:nvSpPr>
+          <p:cNvPr id="12" name="מלבן 11">
+            <a:extLst>
+              <a:ext uri="{FF2B5EF4-FFF2-40B4-BE49-F238E27FC236}">
+                <a16:creationId xmlns:a16="http://schemas.microsoft.com/office/drawing/2014/main" id="{0EC13195-BC95-CAD6-856E-C069CE39130F}"/>
+              </a:ext>
+            </a:extLst>
+          </p:cNvPr>
+          <p:cNvSpPr/>
+          <p:nvPr/>
+        </p:nvSpPr>
+        <p:spPr>
+          <a:xfrm>
+            <a:off x="6180500" y="1631472"/>
+            <a:ext cx="1593669" cy="509451"/>
+          </a:xfrm>
+          <a:prstGeom prst="rect">
+            <a:avLst/>
+          </a:prstGeom>
+        </p:spPr>
+        <p:style>
+          <a:lnRef idx="2">
+            <a:schemeClr val="accent1">
+              <a:shade val="50000"/>
+            </a:schemeClr>
+          </a:lnRef>
+          <a:fillRef idx="1">
+            <a:schemeClr val="accent1"/>
+          </a:fillRef>
+          <a:effectRef idx="0">
+            <a:schemeClr val="accent1"/>
+          </a:effectRef>
+          <a:fontRef idx="minor">
+            <a:schemeClr val="lt1"/>
+          </a:fontRef>
+        </p:style>
+        <p:txBody>
+          <a:bodyPr rtlCol="1" anchor="ctr"/>
+          <a:lstStyle/>
+          <a:p>
+            <a:pPr algn="ctr"/>
             <a:r>
               <a:rPr lang="en-US" sz="1801" dirty="0"/>
               <a:t>redux</a:t>
@@ -3549,10 +3553,10 @@
       </p:sp>
       <p:sp>
         <p:nvSpPr>
-          <p:cNvPr id="7" name="מלבן 6">
-            <a:extLst>
-              <a:ext uri="{FF2B5EF4-FFF2-40B4-BE49-F238E27FC236}">
-                <a16:creationId xmlns:a16="http://schemas.microsoft.com/office/drawing/2014/main" id="{0F3C6B05-04D1-43FD-AB23-805A80CF2BEE}"/>
+          <p:cNvPr id="14" name="מלבן 13">
+            <a:extLst>
+              <a:ext uri="{FF2B5EF4-FFF2-40B4-BE49-F238E27FC236}">
+                <a16:creationId xmlns:a16="http://schemas.microsoft.com/office/drawing/2014/main" id="{63860694-F2B8-8187-B27A-D9824BD1CA4F}"/>
               </a:ext>
             </a:extLst>
           </p:cNvPr>
@@ -3599,10 +3603,10 @@
       </p:sp>
       <p:sp>
         <p:nvSpPr>
-          <p:cNvPr id="8" name="מלבן 7">
-            <a:extLst>
-              <a:ext uri="{FF2B5EF4-FFF2-40B4-BE49-F238E27FC236}">
-                <a16:creationId xmlns:a16="http://schemas.microsoft.com/office/drawing/2014/main" id="{6BB35B14-8F49-4864-83E4-2FB370242F35}"/>
+          <p:cNvPr id="15" name="מלבן 14">
+            <a:extLst>
+              <a:ext uri="{FF2B5EF4-FFF2-40B4-BE49-F238E27FC236}">
+                <a16:creationId xmlns:a16="http://schemas.microsoft.com/office/drawing/2014/main" id="{D39FC54A-8890-8B03-8140-57FE20CA3289}"/>
               </a:ext>
             </a:extLst>
           </p:cNvPr>
@@ -3653,10 +3657,10 @@
       </p:sp>
       <p:sp>
         <p:nvSpPr>
-          <p:cNvPr id="9" name="מלבן 8">
-            <a:extLst>
-              <a:ext uri="{FF2B5EF4-FFF2-40B4-BE49-F238E27FC236}">
-                <a16:creationId xmlns:a16="http://schemas.microsoft.com/office/drawing/2014/main" id="{6A2E2622-E9EB-4501-9AAC-E63CE4EE22CE}"/>
+          <p:cNvPr id="17" name="מלבן 16">
+            <a:extLst>
+              <a:ext uri="{FF2B5EF4-FFF2-40B4-BE49-F238E27FC236}">
+                <a16:creationId xmlns:a16="http://schemas.microsoft.com/office/drawing/2014/main" id="{4FA83880-049E-4724-ABF0-86A32B58D204}"/>
               </a:ext>
             </a:extLst>
           </p:cNvPr>
@@ -3703,10 +3707,10 @@
       </p:sp>
       <p:sp>
         <p:nvSpPr>
-          <p:cNvPr id="10" name="מלבן 9">
-            <a:extLst>
-              <a:ext uri="{FF2B5EF4-FFF2-40B4-BE49-F238E27FC236}">
-                <a16:creationId xmlns:a16="http://schemas.microsoft.com/office/drawing/2014/main" id="{BE5F3A68-E576-44BF-AA39-2296FBB2D307}"/>
+          <p:cNvPr id="19" name="מלבן 18">
+            <a:extLst>
+              <a:ext uri="{FF2B5EF4-FFF2-40B4-BE49-F238E27FC236}">
+                <a16:creationId xmlns:a16="http://schemas.microsoft.com/office/drawing/2014/main" id="{D218612B-E265-B97B-416F-7F35682F1C36}"/>
               </a:ext>
             </a:extLst>
           </p:cNvPr>
@@ -3715,7 +3719,7 @@
         </p:nvSpPr>
         <p:spPr>
           <a:xfrm>
-            <a:off x="3328125" y="3879485"/>
+            <a:off x="1570757" y="3911958"/>
             <a:ext cx="1593669" cy="509451"/>
           </a:xfrm>
           <a:prstGeom prst="rect">
@@ -3753,10 +3757,10 @@
       </p:sp>
       <p:sp>
         <p:nvSpPr>
-          <p:cNvPr id="11" name="מלבן 10">
-            <a:extLst>
-              <a:ext uri="{FF2B5EF4-FFF2-40B4-BE49-F238E27FC236}">
-                <a16:creationId xmlns:a16="http://schemas.microsoft.com/office/drawing/2014/main" id="{6EF3271F-6547-4D9A-A1F7-38AD14676125}"/>
+          <p:cNvPr id="21" name="מלבן 20">
+            <a:extLst>
+              <a:ext uri="{FF2B5EF4-FFF2-40B4-BE49-F238E27FC236}">
+                <a16:creationId xmlns:a16="http://schemas.microsoft.com/office/drawing/2014/main" id="{A49B4AF4-C350-9A01-03B7-6841DB760F9F}"/>
               </a:ext>
             </a:extLst>
           </p:cNvPr>
@@ -3765,7 +3769,7 @@
         </p:nvSpPr>
         <p:spPr>
           <a:xfrm>
-            <a:off x="7299232" y="3879485"/>
+            <a:off x="8497986" y="3859523"/>
             <a:ext cx="1593669" cy="509451"/>
           </a:xfrm>
           <a:prstGeom prst="rect">
@@ -3803,23 +3807,24 @@
       </p:sp>
       <p:cxnSp>
         <p:nvCxnSpPr>
-          <p:cNvPr id="13" name="מחבר ישר 12">
-            <a:extLst>
-              <a:ext uri="{FF2B5EF4-FFF2-40B4-BE49-F238E27FC236}">
-                <a16:creationId xmlns:a16="http://schemas.microsoft.com/office/drawing/2014/main" id="{9ACAA570-48D2-43EE-8164-9E8054CEB0A7}"/>
+          <p:cNvPr id="23" name="מחבר ישר 22">
+            <a:extLst>
+              <a:ext uri="{FF2B5EF4-FFF2-40B4-BE49-F238E27FC236}">
+                <a16:creationId xmlns:a16="http://schemas.microsoft.com/office/drawing/2014/main" id="{889DB56B-ED9A-4A2B-1DAD-3F58A50A9962}"/>
               </a:ext>
             </a:extLst>
           </p:cNvPr>
           <p:cNvCxnSpPr>
-            <a:stCxn id="4" idx="2"/>
-            <a:endCxn id="5" idx="0"/>
+            <a:cxnSpLocks/>
+            <a:stCxn id="2" idx="2"/>
+            <a:endCxn id="3" idx="0"/>
           </p:cNvCxnSpPr>
           <p:nvPr/>
         </p:nvCxnSpPr>
         <p:spPr>
           <a:xfrm flipH="1">
-            <a:off x="6110513" y="682177"/>
-            <a:ext cx="3" cy="207887"/>
+            <a:off x="6110515" y="682172"/>
+            <a:ext cx="1" cy="207888"/>
           </a:xfrm>
           <a:prstGeom prst="line">
             <a:avLst/>
@@ -3842,23 +3847,23 @@
       </p:cxnSp>
       <p:cxnSp>
         <p:nvCxnSpPr>
-          <p:cNvPr id="16" name="מחבר ישר 15">
-            <a:extLst>
-              <a:ext uri="{FF2B5EF4-FFF2-40B4-BE49-F238E27FC236}">
-                <a16:creationId xmlns:a16="http://schemas.microsoft.com/office/drawing/2014/main" id="{01AC4BCA-C524-4D2A-A665-00330C3A3E1A}"/>
+          <p:cNvPr id="31" name="מחבר ישר 30">
+            <a:extLst>
+              <a:ext uri="{FF2B5EF4-FFF2-40B4-BE49-F238E27FC236}">
+                <a16:creationId xmlns:a16="http://schemas.microsoft.com/office/drawing/2014/main" id="{C58AB029-2301-A603-B74E-F5F453DB9FD7}"/>
               </a:ext>
             </a:extLst>
           </p:cNvPr>
           <p:cNvCxnSpPr>
-            <a:stCxn id="5" idx="2"/>
-            <a:endCxn id="6" idx="0"/>
+            <a:cxnSpLocks/>
+            <a:endCxn id="12" idx="0"/>
           </p:cNvCxnSpPr>
           <p:nvPr/>
         </p:nvCxnSpPr>
         <p:spPr>
           <a:xfrm>
-            <a:off x="6110513" y="1399514"/>
-            <a:ext cx="3" cy="218641"/>
+            <a:off x="6977335" y="1399511"/>
+            <a:ext cx="0" cy="231961"/>
           </a:xfrm>
           <a:prstGeom prst="line">
             <a:avLst/>
@@ -3881,23 +3886,23 @@
       </p:cxnSp>
       <p:cxnSp>
         <p:nvCxnSpPr>
-          <p:cNvPr id="18" name="מחבר ישר 17">
-            <a:extLst>
-              <a:ext uri="{FF2B5EF4-FFF2-40B4-BE49-F238E27FC236}">
-                <a16:creationId xmlns:a16="http://schemas.microsoft.com/office/drawing/2014/main" id="{94331D9A-8B59-4402-8431-10D33E84BEC8}"/>
+          <p:cNvPr id="37" name="מחבר ישר 36">
+            <a:extLst>
+              <a:ext uri="{FF2B5EF4-FFF2-40B4-BE49-F238E27FC236}">
+                <a16:creationId xmlns:a16="http://schemas.microsoft.com/office/drawing/2014/main" id="{E0FF740D-1534-E215-F7E3-07E1E733E9A3}"/>
               </a:ext>
             </a:extLst>
           </p:cNvPr>
           <p:cNvCxnSpPr>
-            <a:stCxn id="6" idx="2"/>
-            <a:endCxn id="7" idx="0"/>
+            <a:cxnSpLocks/>
+            <a:stCxn id="12" idx="2"/>
           </p:cNvCxnSpPr>
           <p:nvPr/>
         </p:nvCxnSpPr>
         <p:spPr>
           <a:xfrm>
-            <a:off x="6110516" y="2127601"/>
-            <a:ext cx="0" cy="245283"/>
+            <a:off x="6977335" y="2140923"/>
+            <a:ext cx="0" cy="220774"/>
           </a:xfrm>
           <a:prstGeom prst="line">
             <a:avLst/>
@@ -3920,16 +3925,16 @@
       </p:cxnSp>
       <p:cxnSp>
         <p:nvCxnSpPr>
-          <p:cNvPr id="20" name="מחבר ישר 19">
-            <a:extLst>
-              <a:ext uri="{FF2B5EF4-FFF2-40B4-BE49-F238E27FC236}">
-                <a16:creationId xmlns:a16="http://schemas.microsoft.com/office/drawing/2014/main" id="{555DF0E2-DF31-4208-AF35-7C432C871FB2}"/>
+          <p:cNvPr id="38" name="מחבר ישר 37">
+            <a:extLst>
+              <a:ext uri="{FF2B5EF4-FFF2-40B4-BE49-F238E27FC236}">
+                <a16:creationId xmlns:a16="http://schemas.microsoft.com/office/drawing/2014/main" id="{A9DD366F-0A24-62D5-719E-E4EE95D83365}"/>
               </a:ext>
             </a:extLst>
           </p:cNvPr>
           <p:cNvCxnSpPr>
-            <a:stCxn id="7" idx="2"/>
-            <a:endCxn id="8" idx="0"/>
+            <a:stCxn id="14" idx="2"/>
+            <a:endCxn id="15" idx="0"/>
           </p:cNvCxnSpPr>
           <p:nvPr/>
         </p:nvCxnSpPr>
@@ -3959,16 +3964,16 @@
       </p:cxnSp>
       <p:cxnSp>
         <p:nvCxnSpPr>
-          <p:cNvPr id="22" name="מחבר ישר 21">
-            <a:extLst>
-              <a:ext uri="{FF2B5EF4-FFF2-40B4-BE49-F238E27FC236}">
-                <a16:creationId xmlns:a16="http://schemas.microsoft.com/office/drawing/2014/main" id="{7092EBB6-BCE7-4222-B64B-42A43F62A4C7}"/>
+          <p:cNvPr id="39" name="מחבר ישר 38">
+            <a:extLst>
+              <a:ext uri="{FF2B5EF4-FFF2-40B4-BE49-F238E27FC236}">
+                <a16:creationId xmlns:a16="http://schemas.microsoft.com/office/drawing/2014/main" id="{9E2AC4A8-4561-9615-1727-08F6930FDE1F}"/>
               </a:ext>
             </a:extLst>
           </p:cNvPr>
           <p:cNvCxnSpPr>
-            <a:stCxn id="8" idx="2"/>
-            <a:endCxn id="9" idx="0"/>
+            <a:stCxn id="15" idx="2"/>
+            <a:endCxn id="17" idx="0"/>
           </p:cNvCxnSpPr>
           <p:nvPr/>
         </p:nvCxnSpPr>
@@ -3998,23 +4003,23 @@
       </p:cxnSp>
       <p:cxnSp>
         <p:nvCxnSpPr>
-          <p:cNvPr id="24" name="מחבר ישר 23">
-            <a:extLst>
-              <a:ext uri="{FF2B5EF4-FFF2-40B4-BE49-F238E27FC236}">
-                <a16:creationId xmlns:a16="http://schemas.microsoft.com/office/drawing/2014/main" id="{8F4EABAC-482C-4196-9490-0C43DE5BABE5}"/>
+          <p:cNvPr id="40" name="מחבר ישר 39">
+            <a:extLst>
+              <a:ext uri="{FF2B5EF4-FFF2-40B4-BE49-F238E27FC236}">
+                <a16:creationId xmlns:a16="http://schemas.microsoft.com/office/drawing/2014/main" id="{0A44BBEA-03DF-A32D-BE9E-988C832200D5}"/>
               </a:ext>
             </a:extLst>
           </p:cNvPr>
           <p:cNvCxnSpPr>
-            <a:stCxn id="8" idx="2"/>
-            <a:endCxn id="10" idx="0"/>
+            <a:cxnSpLocks/>
+            <a:endCxn id="19" idx="0"/>
           </p:cNvCxnSpPr>
           <p:nvPr/>
         </p:nvCxnSpPr>
         <p:spPr>
-          <a:xfrm flipH="1">
-            <a:off x="4124961" y="3616930"/>
-            <a:ext cx="1985555" cy="262559"/>
+          <a:xfrm>
+            <a:off x="2367592" y="3616928"/>
+            <a:ext cx="0" cy="295030"/>
           </a:xfrm>
           <a:prstGeom prst="line">
             <a:avLst/>
@@ -4037,23 +4042,22 @@
       </p:cxnSp>
       <p:cxnSp>
         <p:nvCxnSpPr>
-          <p:cNvPr id="26" name="מחבר ישר 25">
-            <a:extLst>
-              <a:ext uri="{FF2B5EF4-FFF2-40B4-BE49-F238E27FC236}">
-                <a16:creationId xmlns:a16="http://schemas.microsoft.com/office/drawing/2014/main" id="{F65B4168-B132-49D3-9D58-DE24CF59C657}"/>
+          <p:cNvPr id="41" name="מחבר ישר 40">
+            <a:extLst>
+              <a:ext uri="{FF2B5EF4-FFF2-40B4-BE49-F238E27FC236}">
+                <a16:creationId xmlns:a16="http://schemas.microsoft.com/office/drawing/2014/main" id="{D3FE9C6D-5D9F-6823-8493-3EFEF5359E78}"/>
               </a:ext>
             </a:extLst>
           </p:cNvPr>
           <p:cNvCxnSpPr>
-            <a:stCxn id="8" idx="2"/>
-            <a:endCxn id="11" idx="0"/>
+            <a:cxnSpLocks/>
           </p:cNvCxnSpPr>
           <p:nvPr/>
         </p:nvCxnSpPr>
         <p:spPr>
           <a:xfrm>
-            <a:off x="6110519" y="3616930"/>
-            <a:ext cx="1985551" cy="262559"/>
+            <a:off x="2367590" y="3616928"/>
+            <a:ext cx="6927231" cy="0"/>
           </a:xfrm>
           <a:prstGeom prst="line">
             <a:avLst/>
@@ -4076,46 +4080,10 @@
       </p:cxnSp>
       <p:sp>
         <p:nvSpPr>
-          <p:cNvPr id="27" name="TextBox 26">
-            <a:extLst>
-              <a:ext uri="{FF2B5EF4-FFF2-40B4-BE49-F238E27FC236}">
-                <a16:creationId xmlns:a16="http://schemas.microsoft.com/office/drawing/2014/main" id="{34E0E7D3-579A-4B39-90CA-E9A895353C18}"/>
-              </a:ext>
-            </a:extLst>
-          </p:cNvPr>
-          <p:cNvSpPr txBox="1"/>
-          <p:nvPr/>
-        </p:nvSpPr>
-        <p:spPr>
-          <a:xfrm>
-            <a:off x="9868994" y="312712"/>
-            <a:ext cx="1998617" cy="369460"/>
-          </a:xfrm>
-          <a:prstGeom prst="rect">
-            <a:avLst/>
-          </a:prstGeom>
-          <a:noFill/>
-        </p:spPr>
-        <p:txBody>
-          <a:bodyPr wrap="square" rtlCol="1">
-            <a:spAutoFit/>
-          </a:bodyPr>
-          <a:lstStyle/>
-          <a:p>
-            <a:r>
-              <a:rPr lang="en-US" sz="1801" b="1" dirty="0"/>
-              <a:t>Flowchart</a:t>
-            </a:r>
-            <a:endParaRPr lang="he-IL" sz="1801" b="1" dirty="0"/>
-          </a:p>
-        </p:txBody>
-      </p:sp>
-      <p:sp>
-        <p:nvSpPr>
-          <p:cNvPr id="25" name="מלבן 24">
-            <a:extLst>
-              <a:ext uri="{FF2B5EF4-FFF2-40B4-BE49-F238E27FC236}">
-                <a16:creationId xmlns:a16="http://schemas.microsoft.com/office/drawing/2014/main" id="{269AFBDB-5FA3-441F-A789-758468520A93}"/>
+          <p:cNvPr id="42" name="מלבן 41">
+            <a:extLst>
+              <a:ext uri="{FF2B5EF4-FFF2-40B4-BE49-F238E27FC236}">
+                <a16:creationId xmlns:a16="http://schemas.microsoft.com/office/drawing/2014/main" id="{81343AF1-C07A-CEEC-FB65-8891BB358FB3}"/>
               </a:ext>
             </a:extLst>
           </p:cNvPr>
@@ -4124,7 +4092,7 @@
         </p:nvSpPr>
         <p:spPr>
           <a:xfrm>
-            <a:off x="3539433" y="4609849"/>
+            <a:off x="1759260" y="4622532"/>
             <a:ext cx="1216661" cy="313529"/>
           </a:xfrm>
           <a:prstGeom prst="rect">
@@ -4154,7 +4122,7 @@
             <a:pPr algn="ctr" rtl="0"/>
             <a:r>
               <a:rPr lang="en-US" sz="1200" dirty="0" err="1"/>
-              <a:t>SingInAndUp</a:t>
+              <a:t>loginBtn</a:t>
             </a:r>
             <a:endParaRPr lang="en-US" sz="1200" dirty="0"/>
           </a:p>
@@ -4162,10 +4130,10 @@
       </p:sp>
       <p:sp>
         <p:nvSpPr>
-          <p:cNvPr id="28" name="מלבן 27">
-            <a:extLst>
-              <a:ext uri="{FF2B5EF4-FFF2-40B4-BE49-F238E27FC236}">
-                <a16:creationId xmlns:a16="http://schemas.microsoft.com/office/drawing/2014/main" id="{972D8AFF-1CBB-4361-9588-53FA6AE3BAB4}"/>
+          <p:cNvPr id="43" name="מלבן 42">
+            <a:extLst>
+              <a:ext uri="{FF2B5EF4-FFF2-40B4-BE49-F238E27FC236}">
+                <a16:creationId xmlns:a16="http://schemas.microsoft.com/office/drawing/2014/main" id="{27497BE4-E64D-E8D5-70F7-E6FBDE319AF1}"/>
               </a:ext>
             </a:extLst>
           </p:cNvPr>
@@ -4174,57 +4142,7 @@
         </p:nvSpPr>
         <p:spPr>
           <a:xfrm>
-            <a:off x="3321596" y="5066414"/>
-            <a:ext cx="1593669" cy="352601"/>
-          </a:xfrm>
-          <a:prstGeom prst="rect">
-            <a:avLst/>
-          </a:prstGeom>
-        </p:spPr>
-        <p:style>
-          <a:lnRef idx="2">
-            <a:schemeClr val="accent1">
-              <a:shade val="50000"/>
-            </a:schemeClr>
-          </a:lnRef>
-          <a:fillRef idx="1">
-            <a:schemeClr val="accent1"/>
-          </a:fillRef>
-          <a:effectRef idx="0">
-            <a:schemeClr val="accent1"/>
-          </a:effectRef>
-          <a:fontRef idx="minor">
-            <a:schemeClr val="lt1"/>
-          </a:fontRef>
-        </p:style>
-        <p:txBody>
-          <a:bodyPr rtlCol="1" anchor="ctr"/>
-          <a:lstStyle/>
-          <a:p>
-            <a:pPr algn="ctr" rtl="0"/>
-            <a:r>
-              <a:rPr lang="en-US" sz="1200" dirty="0" err="1"/>
-              <a:t>LoginRegisterWithApi</a:t>
-            </a:r>
-            <a:endParaRPr lang="he-IL" sz="1200" dirty="0"/>
-          </a:p>
-        </p:txBody>
-      </p:sp>
-      <p:sp>
-        <p:nvSpPr>
-          <p:cNvPr id="29" name="מלבן 28">
-            <a:extLst>
-              <a:ext uri="{FF2B5EF4-FFF2-40B4-BE49-F238E27FC236}">
-                <a16:creationId xmlns:a16="http://schemas.microsoft.com/office/drawing/2014/main" id="{4B108AFD-1D6C-4516-9F74-D36A567BBBB1}"/>
-              </a:ext>
-            </a:extLst>
-          </p:cNvPr>
-          <p:cNvSpPr/>
-          <p:nvPr/>
-        </p:nvSpPr>
-        <p:spPr>
-          <a:xfrm>
-            <a:off x="3526779" y="5575861"/>
+            <a:off x="1759259" y="5139215"/>
             <a:ext cx="1216661" cy="313529"/>
           </a:xfrm>
           <a:prstGeom prst="rect">
@@ -4254,7 +4172,7 @@
             <a:pPr algn="ctr" rtl="0"/>
             <a:r>
               <a:rPr lang="en-US" sz="1200" dirty="0" err="1"/>
-              <a:t>UserDetails</a:t>
+              <a:t>loginApi</a:t>
             </a:r>
             <a:endParaRPr lang="he-IL" sz="1200" dirty="0"/>
           </a:p>
@@ -4262,10 +4180,10 @@
       </p:sp>
       <p:sp>
         <p:nvSpPr>
-          <p:cNvPr id="30" name="מלבן 29">
-            <a:extLst>
-              <a:ext uri="{FF2B5EF4-FFF2-40B4-BE49-F238E27FC236}">
-                <a16:creationId xmlns:a16="http://schemas.microsoft.com/office/drawing/2014/main" id="{2D1F379F-1144-49EF-B53D-194C550F1D38}"/>
+          <p:cNvPr id="44" name="מלבן 43">
+            <a:extLst>
+              <a:ext uri="{FF2B5EF4-FFF2-40B4-BE49-F238E27FC236}">
+                <a16:creationId xmlns:a16="http://schemas.microsoft.com/office/drawing/2014/main" id="{F95CEB55-C8D6-3AFD-5638-74B6F69967CC}"/>
               </a:ext>
             </a:extLst>
           </p:cNvPr>
@@ -4274,7 +4192,7 @@
         </p:nvSpPr>
         <p:spPr>
           <a:xfrm>
-            <a:off x="3526779" y="6024464"/>
+            <a:off x="1759262" y="5653867"/>
             <a:ext cx="1216661" cy="313529"/>
           </a:xfrm>
           <a:prstGeom prst="rect">
@@ -4304,18 +4222,18 @@
             <a:pPr algn="ctr" rtl="0"/>
             <a:r>
               <a:rPr lang="en-US" sz="1200" dirty="0" err="1"/>
-              <a:t>UpdateUser</a:t>
+              <a:t>UserDetails</a:t>
             </a:r>
-            <a:endParaRPr lang="en-US" sz="1200" dirty="0"/>
+            <a:endParaRPr lang="he-IL" sz="1200" dirty="0"/>
           </a:p>
         </p:txBody>
       </p:sp>
       <p:sp>
         <p:nvSpPr>
-          <p:cNvPr id="32" name="מלבן 31">
-            <a:extLst>
-              <a:ext uri="{FF2B5EF4-FFF2-40B4-BE49-F238E27FC236}">
-                <a16:creationId xmlns:a16="http://schemas.microsoft.com/office/drawing/2014/main" id="{2CE65F15-E6F0-4FDA-BBF4-9414AED8AEBE}"/>
+          <p:cNvPr id="45" name="מלבן 44">
+            <a:extLst>
+              <a:ext uri="{FF2B5EF4-FFF2-40B4-BE49-F238E27FC236}">
+                <a16:creationId xmlns:a16="http://schemas.microsoft.com/office/drawing/2014/main" id="{88EB8085-0A4B-E6F6-E313-0BDB2D6313BC}"/>
               </a:ext>
             </a:extLst>
           </p:cNvPr>
@@ -4324,7 +4242,57 @@
         </p:nvSpPr>
         <p:spPr>
           <a:xfrm>
-            <a:off x="5502187" y="4594083"/>
+            <a:off x="1759259" y="6168519"/>
+            <a:ext cx="1216661" cy="313529"/>
+          </a:xfrm>
+          <a:prstGeom prst="rect">
+            <a:avLst/>
+          </a:prstGeom>
+        </p:spPr>
+        <p:style>
+          <a:lnRef idx="2">
+            <a:schemeClr val="accent1">
+              <a:shade val="50000"/>
+            </a:schemeClr>
+          </a:lnRef>
+          <a:fillRef idx="1">
+            <a:schemeClr val="accent1"/>
+          </a:fillRef>
+          <a:effectRef idx="0">
+            <a:schemeClr val="accent1"/>
+          </a:effectRef>
+          <a:fontRef idx="minor">
+            <a:schemeClr val="lt1"/>
+          </a:fontRef>
+        </p:style>
+        <p:txBody>
+          <a:bodyPr rtlCol="1" anchor="ctr"/>
+          <a:lstStyle/>
+          <a:p>
+            <a:pPr algn="ctr" rtl="0"/>
+            <a:r>
+              <a:rPr lang="en-US" sz="1200" dirty="0" err="1"/>
+              <a:t>UpdateUser</a:t>
+            </a:r>
+            <a:endParaRPr lang="en-US" sz="1200" dirty="0"/>
+          </a:p>
+        </p:txBody>
+      </p:sp>
+      <p:sp>
+        <p:nvSpPr>
+          <p:cNvPr id="46" name="מלבן 45">
+            <a:extLst>
+              <a:ext uri="{FF2B5EF4-FFF2-40B4-BE49-F238E27FC236}">
+                <a16:creationId xmlns:a16="http://schemas.microsoft.com/office/drawing/2014/main" id="{E276B2B7-1B8B-51F0-69EA-20A231994DD1}"/>
+              </a:ext>
+            </a:extLst>
+          </p:cNvPr>
+          <p:cNvSpPr/>
+          <p:nvPr/>
+        </p:nvSpPr>
+        <p:spPr>
+          <a:xfrm>
+            <a:off x="3335379" y="4692685"/>
             <a:ext cx="1216663" cy="388795"/>
           </a:xfrm>
           <a:prstGeom prst="rect">
@@ -4362,10 +4330,10 @@
       </p:sp>
       <p:sp>
         <p:nvSpPr>
-          <p:cNvPr id="33" name="מלבן 32">
-            <a:extLst>
-              <a:ext uri="{FF2B5EF4-FFF2-40B4-BE49-F238E27FC236}">
-                <a16:creationId xmlns:a16="http://schemas.microsoft.com/office/drawing/2014/main" id="{20DDCF84-EDEB-485A-B730-8B1BB080D625}"/>
+          <p:cNvPr id="47" name="מלבן 46">
+            <a:extLst>
+              <a:ext uri="{FF2B5EF4-FFF2-40B4-BE49-F238E27FC236}">
+                <a16:creationId xmlns:a16="http://schemas.microsoft.com/office/drawing/2014/main" id="{10384354-7B46-4238-2C72-F8BE4456995A}"/>
               </a:ext>
             </a:extLst>
           </p:cNvPr>
@@ -4374,7 +4342,7 @@
         </p:nvSpPr>
         <p:spPr>
           <a:xfrm>
-            <a:off x="5502186" y="5125719"/>
+            <a:off x="4789079" y="4692685"/>
             <a:ext cx="1216663" cy="388795"/>
           </a:xfrm>
           <a:prstGeom prst="rect">
@@ -4412,10 +4380,10 @@
       </p:sp>
       <p:sp>
         <p:nvSpPr>
-          <p:cNvPr id="34" name="מלבן 33">
-            <a:extLst>
-              <a:ext uri="{FF2B5EF4-FFF2-40B4-BE49-F238E27FC236}">
-                <a16:creationId xmlns:a16="http://schemas.microsoft.com/office/drawing/2014/main" id="{B250A067-E2A4-4674-A088-3E84CB5A821C}"/>
+          <p:cNvPr id="48" name="מלבן 47">
+            <a:extLst>
+              <a:ext uri="{FF2B5EF4-FFF2-40B4-BE49-F238E27FC236}">
+                <a16:creationId xmlns:a16="http://schemas.microsoft.com/office/drawing/2014/main" id="{53F8E8EC-9B23-3436-1C56-5812B815638F}"/>
               </a:ext>
             </a:extLst>
           </p:cNvPr>
@@ -4424,7 +4392,7 @@
         </p:nvSpPr>
         <p:spPr>
           <a:xfrm>
-            <a:off x="5507258" y="5637203"/>
+            <a:off x="6242779" y="4683573"/>
             <a:ext cx="1216663" cy="388795"/>
           </a:xfrm>
           <a:prstGeom prst="rect">
@@ -4462,10 +4430,10 @@
       </p:sp>
       <p:sp>
         <p:nvSpPr>
-          <p:cNvPr id="35" name="מלבן 34">
-            <a:extLst>
-              <a:ext uri="{FF2B5EF4-FFF2-40B4-BE49-F238E27FC236}">
-                <a16:creationId xmlns:a16="http://schemas.microsoft.com/office/drawing/2014/main" id="{247D524A-6765-4DB3-98E2-4EAE773FC37F}"/>
+          <p:cNvPr id="49" name="מלבן 48">
+            <a:extLst>
+              <a:ext uri="{FF2B5EF4-FFF2-40B4-BE49-F238E27FC236}">
+                <a16:creationId xmlns:a16="http://schemas.microsoft.com/office/drawing/2014/main" id="{22BA0A0E-F1FE-5B13-F654-3F6C5BBA1692}"/>
               </a:ext>
             </a:extLst>
           </p:cNvPr>
@@ -4474,7 +4442,7 @@
         </p:nvSpPr>
         <p:spPr>
           <a:xfrm>
-            <a:off x="5502186" y="6146653"/>
+            <a:off x="7696479" y="4677477"/>
             <a:ext cx="1216663" cy="388795"/>
           </a:xfrm>
           <a:prstGeom prst="rect">
@@ -4512,10 +4480,10 @@
       </p:sp>
       <p:sp>
         <p:nvSpPr>
-          <p:cNvPr id="36" name="מלבן 35">
-            <a:extLst>
-              <a:ext uri="{FF2B5EF4-FFF2-40B4-BE49-F238E27FC236}">
-                <a16:creationId xmlns:a16="http://schemas.microsoft.com/office/drawing/2014/main" id="{DA3023F7-D76A-4ECD-84EA-643B6C00A455}"/>
+          <p:cNvPr id="51" name="מלבן 50">
+            <a:extLst>
+              <a:ext uri="{FF2B5EF4-FFF2-40B4-BE49-F238E27FC236}">
+                <a16:creationId xmlns:a16="http://schemas.microsoft.com/office/drawing/2014/main" id="{AF291E95-BE0A-833C-4347-635DE08CDA13}"/>
               </a:ext>
             </a:extLst>
           </p:cNvPr>
@@ -4524,7 +4492,7 @@
         </p:nvSpPr>
         <p:spPr>
           <a:xfrm>
-            <a:off x="7529828" y="5849944"/>
+            <a:off x="6194942" y="5483269"/>
             <a:ext cx="1312335" cy="403723"/>
           </a:xfrm>
           <a:prstGeom prst="rect">
@@ -4562,23 +4530,24 @@
       </p:sp>
       <p:cxnSp>
         <p:nvCxnSpPr>
-          <p:cNvPr id="50" name="מחבר ישר 49">
-            <a:extLst>
-              <a:ext uri="{FF2B5EF4-FFF2-40B4-BE49-F238E27FC236}">
-                <a16:creationId xmlns:a16="http://schemas.microsoft.com/office/drawing/2014/main" id="{5BB0FC0F-48DB-4CE2-8FCD-6B0B82B3FBCD}"/>
+          <p:cNvPr id="52" name="מחבר ישר 51">
+            <a:extLst>
+              <a:ext uri="{FF2B5EF4-FFF2-40B4-BE49-F238E27FC236}">
+                <a16:creationId xmlns:a16="http://schemas.microsoft.com/office/drawing/2014/main" id="{6772C92D-1BF2-E59C-007B-E9AB9076878F}"/>
               </a:ext>
             </a:extLst>
           </p:cNvPr>
           <p:cNvCxnSpPr>
             <a:cxnSpLocks/>
-            <a:stCxn id="10" idx="2"/>
+            <a:stCxn id="19" idx="2"/>
+            <a:endCxn id="42" idx="0"/>
           </p:cNvCxnSpPr>
           <p:nvPr/>
         </p:nvCxnSpPr>
         <p:spPr>
-          <a:xfrm>
-            <a:off x="4124960" y="4388936"/>
-            <a:ext cx="22804" cy="218879"/>
+          <a:xfrm flipH="1">
+            <a:off x="2367591" y="4421409"/>
+            <a:ext cx="1" cy="201123"/>
           </a:xfrm>
           <a:prstGeom prst="line">
             <a:avLst/>
@@ -4601,24 +4570,23 @@
       </p:cxnSp>
       <p:cxnSp>
         <p:nvCxnSpPr>
-          <p:cNvPr id="54" name="מחבר ישר 53">
-            <a:extLst>
-              <a:ext uri="{FF2B5EF4-FFF2-40B4-BE49-F238E27FC236}">
-                <a16:creationId xmlns:a16="http://schemas.microsoft.com/office/drawing/2014/main" id="{37EC54AB-5BA4-46DF-99B0-C4597B31B070}"/>
+          <p:cNvPr id="53" name="מחבר ישר 52">
+            <a:extLst>
+              <a:ext uri="{FF2B5EF4-FFF2-40B4-BE49-F238E27FC236}">
+                <a16:creationId xmlns:a16="http://schemas.microsoft.com/office/drawing/2014/main" id="{2A2A6485-BABD-8694-DF82-80DDDEE72D97}"/>
               </a:ext>
             </a:extLst>
           </p:cNvPr>
           <p:cNvCxnSpPr>
-            <a:cxnSpLocks/>
-            <a:stCxn id="25" idx="2"/>
-            <a:endCxn id="28" idx="0"/>
+            <a:stCxn id="42" idx="2"/>
+            <a:endCxn id="43" idx="0"/>
           </p:cNvCxnSpPr>
           <p:nvPr/>
         </p:nvCxnSpPr>
         <p:spPr>
           <a:xfrm flipH="1">
-            <a:off x="4118431" y="4923378"/>
-            <a:ext cx="29333" cy="143036"/>
+            <a:off x="2367590" y="4936061"/>
+            <a:ext cx="1" cy="203154"/>
           </a:xfrm>
           <a:prstGeom prst="line">
             <a:avLst/>
@@ -4641,24 +4609,23 @@
       </p:cxnSp>
       <p:cxnSp>
         <p:nvCxnSpPr>
-          <p:cNvPr id="56" name="מחבר ישר 55">
-            <a:extLst>
-              <a:ext uri="{FF2B5EF4-FFF2-40B4-BE49-F238E27FC236}">
-                <a16:creationId xmlns:a16="http://schemas.microsoft.com/office/drawing/2014/main" id="{A315AFBB-456C-4486-BC67-CB44BDB128A4}"/>
+          <p:cNvPr id="55" name="מחבר ישר 54">
+            <a:extLst>
+              <a:ext uri="{FF2B5EF4-FFF2-40B4-BE49-F238E27FC236}">
+                <a16:creationId xmlns:a16="http://schemas.microsoft.com/office/drawing/2014/main" id="{400A1790-045A-79F2-1DF0-F8489F8E8632}"/>
               </a:ext>
             </a:extLst>
           </p:cNvPr>
           <p:cNvCxnSpPr>
-            <a:cxnSpLocks/>
-            <a:stCxn id="28" idx="2"/>
-            <a:endCxn id="29" idx="0"/>
+            <a:stCxn id="43" idx="2"/>
+            <a:endCxn id="44" idx="0"/>
           </p:cNvCxnSpPr>
           <p:nvPr/>
         </p:nvCxnSpPr>
         <p:spPr>
           <a:xfrm>
-            <a:off x="4118431" y="5419015"/>
-            <a:ext cx="16679" cy="156846"/>
+            <a:off x="2367590" y="5452744"/>
+            <a:ext cx="3" cy="201123"/>
           </a:xfrm>
           <a:prstGeom prst="line">
             <a:avLst/>
@@ -4681,23 +4648,24 @@
       </p:cxnSp>
       <p:cxnSp>
         <p:nvCxnSpPr>
-          <p:cNvPr id="58" name="מחבר ישר 57">
-            <a:extLst>
-              <a:ext uri="{FF2B5EF4-FFF2-40B4-BE49-F238E27FC236}">
-                <a16:creationId xmlns:a16="http://schemas.microsoft.com/office/drawing/2014/main" id="{4080901D-1C0E-4185-B777-7A9538511EE6}"/>
+          <p:cNvPr id="57" name="מחבר ישר 56">
+            <a:extLst>
+              <a:ext uri="{FF2B5EF4-FFF2-40B4-BE49-F238E27FC236}">
+                <a16:creationId xmlns:a16="http://schemas.microsoft.com/office/drawing/2014/main" id="{FAEE0FB6-6ED1-BDE0-C777-AE5FAD8A7CDC}"/>
               </a:ext>
             </a:extLst>
           </p:cNvPr>
           <p:cNvCxnSpPr>
-            <a:stCxn id="29" idx="2"/>
-            <a:endCxn id="30" idx="0"/>
+            <a:cxnSpLocks/>
+            <a:stCxn id="44" idx="2"/>
+            <a:endCxn id="45" idx="0"/>
           </p:cNvCxnSpPr>
           <p:nvPr/>
         </p:nvCxnSpPr>
         <p:spPr>
-          <a:xfrm>
-            <a:off x="4135110" y="5889390"/>
-            <a:ext cx="0" cy="135074"/>
+          <a:xfrm flipH="1">
+            <a:off x="2367590" y="5967396"/>
+            <a:ext cx="3" cy="201123"/>
           </a:xfrm>
           <a:prstGeom prst="line">
             <a:avLst/>
@@ -4720,24 +4688,23 @@
       </p:cxnSp>
       <p:cxnSp>
         <p:nvCxnSpPr>
-          <p:cNvPr id="60" name="מחבר ישר 59">
-            <a:extLst>
-              <a:ext uri="{FF2B5EF4-FFF2-40B4-BE49-F238E27FC236}">
-                <a16:creationId xmlns:a16="http://schemas.microsoft.com/office/drawing/2014/main" id="{0548060E-381A-474D-B3CC-85E350342167}"/>
+          <p:cNvPr id="59" name="מחבר ישר 58">
+            <a:extLst>
+              <a:ext uri="{FF2B5EF4-FFF2-40B4-BE49-F238E27FC236}">
+                <a16:creationId xmlns:a16="http://schemas.microsoft.com/office/drawing/2014/main" id="{F94BFDDE-A603-2394-947F-1C3E0EEFB409}"/>
               </a:ext>
             </a:extLst>
           </p:cNvPr>
           <p:cNvCxnSpPr>
             <a:cxnSpLocks/>
-            <a:stCxn id="9" idx="2"/>
-            <a:endCxn id="32" idx="0"/>
+            <a:endCxn id="46" idx="0"/>
           </p:cNvCxnSpPr>
           <p:nvPr/>
         </p:nvCxnSpPr>
         <p:spPr>
           <a:xfrm>
-            <a:off x="6110518" y="4388936"/>
-            <a:ext cx="1" cy="205147"/>
+            <a:off x="3937000" y="4391025"/>
+            <a:ext cx="6711" cy="301660"/>
           </a:xfrm>
           <a:prstGeom prst="line">
             <a:avLst/>
@@ -4760,24 +4727,23 @@
       </p:cxnSp>
       <p:cxnSp>
         <p:nvCxnSpPr>
-          <p:cNvPr id="62" name="מחבר ישר 61">
-            <a:extLst>
-              <a:ext uri="{FF2B5EF4-FFF2-40B4-BE49-F238E27FC236}">
-                <a16:creationId xmlns:a16="http://schemas.microsoft.com/office/drawing/2014/main" id="{BAC8ABC3-48BE-424D-9963-8EA83F57A36B}"/>
+          <p:cNvPr id="61" name="מחבר ישר 60">
+            <a:extLst>
+              <a:ext uri="{FF2B5EF4-FFF2-40B4-BE49-F238E27FC236}">
+                <a16:creationId xmlns:a16="http://schemas.microsoft.com/office/drawing/2014/main" id="{FEBE9594-C483-5DA8-F438-0C43573837D3}"/>
               </a:ext>
             </a:extLst>
           </p:cNvPr>
           <p:cNvCxnSpPr>
             <a:cxnSpLocks/>
-            <a:stCxn id="32" idx="2"/>
-            <a:endCxn id="33" idx="0"/>
+            <a:endCxn id="47" idx="0"/>
           </p:cNvCxnSpPr>
           <p:nvPr/>
         </p:nvCxnSpPr>
         <p:spPr>
-          <a:xfrm flipH="1">
-            <a:off x="6110518" y="4982881"/>
-            <a:ext cx="1" cy="142841"/>
+          <a:xfrm>
+            <a:off x="5397411" y="4388936"/>
+            <a:ext cx="0" cy="303749"/>
           </a:xfrm>
           <a:prstGeom prst="line">
             <a:avLst/>
@@ -4800,24 +4766,23 @@
       </p:cxnSp>
       <p:cxnSp>
         <p:nvCxnSpPr>
-          <p:cNvPr id="64" name="מחבר ישר 63">
-            <a:extLst>
-              <a:ext uri="{FF2B5EF4-FFF2-40B4-BE49-F238E27FC236}">
-                <a16:creationId xmlns:a16="http://schemas.microsoft.com/office/drawing/2014/main" id="{11C5FB91-9D8F-41A7-8E4E-1445DBAD11C4}"/>
+          <p:cNvPr id="63" name="מחבר ישר 62">
+            <a:extLst>
+              <a:ext uri="{FF2B5EF4-FFF2-40B4-BE49-F238E27FC236}">
+                <a16:creationId xmlns:a16="http://schemas.microsoft.com/office/drawing/2014/main" id="{654D3C2F-5956-91D4-F7BE-77140205D3AD}"/>
               </a:ext>
             </a:extLst>
           </p:cNvPr>
           <p:cNvCxnSpPr>
             <a:cxnSpLocks/>
-            <a:stCxn id="33" idx="2"/>
-            <a:endCxn id="34" idx="0"/>
+            <a:endCxn id="48" idx="0"/>
           </p:cNvCxnSpPr>
           <p:nvPr/>
         </p:nvCxnSpPr>
         <p:spPr>
           <a:xfrm>
-            <a:off x="6110514" y="5514517"/>
-            <a:ext cx="5072" cy="122689"/>
+            <a:off x="6851111" y="4393491"/>
+            <a:ext cx="0" cy="290082"/>
           </a:xfrm>
           <a:prstGeom prst="line">
             <a:avLst/>
@@ -4840,24 +4805,23 @@
       </p:cxnSp>
       <p:cxnSp>
         <p:nvCxnSpPr>
-          <p:cNvPr id="66" name="מחבר ישר 65">
-            <a:extLst>
-              <a:ext uri="{FF2B5EF4-FFF2-40B4-BE49-F238E27FC236}">
-                <a16:creationId xmlns:a16="http://schemas.microsoft.com/office/drawing/2014/main" id="{EAFCDB8C-1E05-43EB-9E19-77150262190E}"/>
+          <p:cNvPr id="65" name="מחבר ישר 64">
+            <a:extLst>
+              <a:ext uri="{FF2B5EF4-FFF2-40B4-BE49-F238E27FC236}">
+                <a16:creationId xmlns:a16="http://schemas.microsoft.com/office/drawing/2014/main" id="{22827722-E475-DBD4-CD32-073D1F597F00}"/>
               </a:ext>
             </a:extLst>
           </p:cNvPr>
           <p:cNvCxnSpPr>
             <a:cxnSpLocks/>
-            <a:stCxn id="35" idx="0"/>
-            <a:endCxn id="34" idx="2"/>
+            <a:stCxn id="49" idx="0"/>
           </p:cNvCxnSpPr>
           <p:nvPr/>
         </p:nvCxnSpPr>
         <p:spPr>
           <a:xfrm flipV="1">
-            <a:off x="6110517" y="6025997"/>
-            <a:ext cx="5073" cy="120656"/>
+            <a:off x="8304811" y="4395286"/>
+            <a:ext cx="0" cy="282191"/>
           </a:xfrm>
           <a:prstGeom prst="line">
             <a:avLst/>
@@ -4880,24 +4844,213 @@
       </p:cxnSp>
       <p:cxnSp>
         <p:nvCxnSpPr>
-          <p:cNvPr id="69" name="מחבר ישר 68">
-            <a:extLst>
-              <a:ext uri="{FF2B5EF4-FFF2-40B4-BE49-F238E27FC236}">
-                <a16:creationId xmlns:a16="http://schemas.microsoft.com/office/drawing/2014/main" id="{6A2CB6EA-EADE-4BA8-8120-F73366864061}"/>
+          <p:cNvPr id="67" name="מחבר ישר 66">
+            <a:extLst>
+              <a:ext uri="{FF2B5EF4-FFF2-40B4-BE49-F238E27FC236}">
+                <a16:creationId xmlns:a16="http://schemas.microsoft.com/office/drawing/2014/main" id="{1DD3B111-A84F-6456-C945-6F925050E75A}"/>
               </a:ext>
             </a:extLst>
           </p:cNvPr>
           <p:cNvCxnSpPr>
             <a:cxnSpLocks/>
-            <a:stCxn id="34" idx="3"/>
-            <a:endCxn id="36" idx="1"/>
+            <a:stCxn id="48" idx="2"/>
+            <a:endCxn id="51" idx="0"/>
           </p:cNvCxnSpPr>
           <p:nvPr/>
         </p:nvCxnSpPr>
         <p:spPr>
+          <a:xfrm flipH="1">
+            <a:off x="6851110" y="5072368"/>
+            <a:ext cx="1" cy="410901"/>
+          </a:xfrm>
+          <a:prstGeom prst="line">
+            <a:avLst/>
+          </a:prstGeom>
+        </p:spPr>
+        <p:style>
+          <a:lnRef idx="1">
+            <a:schemeClr val="accent1"/>
+          </a:lnRef>
+          <a:fillRef idx="0">
+            <a:schemeClr val="accent1"/>
+          </a:fillRef>
+          <a:effectRef idx="0">
+            <a:schemeClr val="accent1"/>
+          </a:effectRef>
+          <a:fontRef idx="minor">
+            <a:schemeClr val="tx1"/>
+          </a:fontRef>
+        </p:style>
+      </p:cxnSp>
+      <p:sp>
+        <p:nvSpPr>
+          <p:cNvPr id="68" name="מלבן 67">
+            <a:extLst>
+              <a:ext uri="{FF2B5EF4-FFF2-40B4-BE49-F238E27FC236}">
+                <a16:creationId xmlns:a16="http://schemas.microsoft.com/office/drawing/2014/main" id="{216BB3FA-E239-21B6-26B2-D3FDE2D5B694}"/>
+              </a:ext>
+            </a:extLst>
+          </p:cNvPr>
+          <p:cNvSpPr/>
+          <p:nvPr/>
+        </p:nvSpPr>
+        <p:spPr>
           <a:xfrm>
-            <a:off x="6723918" y="5831600"/>
-            <a:ext cx="805907" cy="220205"/>
+            <a:off x="8016185" y="1653188"/>
+            <a:ext cx="1593669" cy="462784"/>
+          </a:xfrm>
+          <a:prstGeom prst="rect">
+            <a:avLst/>
+          </a:prstGeom>
+        </p:spPr>
+        <p:style>
+          <a:lnRef idx="2">
+            <a:schemeClr val="accent1">
+              <a:shade val="50000"/>
+            </a:schemeClr>
+          </a:lnRef>
+          <a:fillRef idx="1">
+            <a:schemeClr val="accent1"/>
+          </a:fillRef>
+          <a:effectRef idx="0">
+            <a:schemeClr val="accent1"/>
+          </a:effectRef>
+          <a:fontRef idx="minor">
+            <a:schemeClr val="lt1"/>
+          </a:fontRef>
+        </p:style>
+        <p:txBody>
+          <a:bodyPr rtlCol="1" anchor="ctr"/>
+          <a:lstStyle/>
+          <a:p>
+            <a:pPr algn="ctr"/>
+            <a:r>
+              <a:rPr lang="en-US" sz="1801" dirty="0"/>
+              <a:t>store</a:t>
+            </a:r>
+            <a:endParaRPr lang="he-IL" sz="1801" dirty="0"/>
+          </a:p>
+        </p:txBody>
+      </p:sp>
+      <p:sp>
+        <p:nvSpPr>
+          <p:cNvPr id="70" name="מלבן 69">
+            <a:extLst>
+              <a:ext uri="{FF2B5EF4-FFF2-40B4-BE49-F238E27FC236}">
+                <a16:creationId xmlns:a16="http://schemas.microsoft.com/office/drawing/2014/main" id="{C5C332BD-B599-97F3-981B-39C522E935C3}"/>
+              </a:ext>
+            </a:extLst>
+          </p:cNvPr>
+          <p:cNvSpPr/>
+          <p:nvPr/>
+        </p:nvSpPr>
+        <p:spPr>
+          <a:xfrm>
+            <a:off x="10091656" y="1392001"/>
+            <a:ext cx="1593669" cy="369460"/>
+          </a:xfrm>
+          <a:prstGeom prst="rect">
+            <a:avLst/>
+          </a:prstGeom>
+        </p:spPr>
+        <p:style>
+          <a:lnRef idx="2">
+            <a:schemeClr val="accent1">
+              <a:shade val="50000"/>
+            </a:schemeClr>
+          </a:lnRef>
+          <a:fillRef idx="1">
+            <a:schemeClr val="accent1"/>
+          </a:fillRef>
+          <a:effectRef idx="0">
+            <a:schemeClr val="accent1"/>
+          </a:effectRef>
+          <a:fontRef idx="minor">
+            <a:schemeClr val="lt1"/>
+          </a:fontRef>
+        </p:style>
+        <p:txBody>
+          <a:bodyPr rtlCol="1" anchor="ctr"/>
+          <a:lstStyle/>
+          <a:p>
+            <a:pPr algn="ctr"/>
+            <a:r>
+              <a:rPr lang="en-US" sz="1801" dirty="0" err="1"/>
+              <a:t>recipeSlice</a:t>
+            </a:r>
+            <a:endParaRPr lang="he-IL" sz="1801" dirty="0"/>
+          </a:p>
+        </p:txBody>
+      </p:sp>
+      <p:sp>
+        <p:nvSpPr>
+          <p:cNvPr id="72" name="מלבן 71">
+            <a:extLst>
+              <a:ext uri="{FF2B5EF4-FFF2-40B4-BE49-F238E27FC236}">
+                <a16:creationId xmlns:a16="http://schemas.microsoft.com/office/drawing/2014/main" id="{3F6B4CE9-4FF1-D03D-0C35-83DCDCE29B70}"/>
+              </a:ext>
+            </a:extLst>
+          </p:cNvPr>
+          <p:cNvSpPr/>
+          <p:nvPr/>
+        </p:nvSpPr>
+        <p:spPr>
+          <a:xfrm>
+            <a:off x="10091655" y="2022003"/>
+            <a:ext cx="1593669" cy="348783"/>
+          </a:xfrm>
+          <a:prstGeom prst="rect">
+            <a:avLst/>
+          </a:prstGeom>
+        </p:spPr>
+        <p:style>
+          <a:lnRef idx="2">
+            <a:schemeClr val="accent1">
+              <a:shade val="50000"/>
+            </a:schemeClr>
+          </a:lnRef>
+          <a:fillRef idx="1">
+            <a:schemeClr val="accent1"/>
+          </a:fillRef>
+          <a:effectRef idx="0">
+            <a:schemeClr val="accent1"/>
+          </a:effectRef>
+          <a:fontRef idx="minor">
+            <a:schemeClr val="lt1"/>
+          </a:fontRef>
+        </p:style>
+        <p:txBody>
+          <a:bodyPr rtlCol="1" anchor="ctr"/>
+          <a:lstStyle/>
+          <a:p>
+            <a:pPr algn="ctr"/>
+            <a:r>
+              <a:rPr lang="en-US" sz="1801" dirty="0" err="1"/>
+              <a:t>addRecipeSlice</a:t>
+            </a:r>
+            <a:endParaRPr lang="he-IL" sz="1801" dirty="0"/>
+          </a:p>
+        </p:txBody>
+      </p:sp>
+      <p:cxnSp>
+        <p:nvCxnSpPr>
+          <p:cNvPr id="73" name="מחבר ישר 72">
+            <a:extLst>
+              <a:ext uri="{FF2B5EF4-FFF2-40B4-BE49-F238E27FC236}">
+                <a16:creationId xmlns:a16="http://schemas.microsoft.com/office/drawing/2014/main" id="{ED43FFCD-35AA-13B8-3678-5D427836FB85}"/>
+              </a:ext>
+            </a:extLst>
+          </p:cNvPr>
+          <p:cNvCxnSpPr>
+            <a:cxnSpLocks/>
+            <a:endCxn id="68" idx="1"/>
+          </p:cNvCxnSpPr>
+          <p:nvPr/>
+        </p:nvCxnSpPr>
+        <p:spPr>
+          <a:xfrm flipV="1">
+            <a:off x="8016177" y="1884580"/>
+            <a:ext cx="8" cy="13321"/>
           </a:xfrm>
           <a:prstGeom prst="line">
             <a:avLst/>
@@ -4920,22 +5073,604 @@
       </p:cxnSp>
       <p:cxnSp>
         <p:nvCxnSpPr>
-          <p:cNvPr id="71" name="מחבר ישר 70">
-            <a:extLst>
-              <a:ext uri="{FF2B5EF4-FFF2-40B4-BE49-F238E27FC236}">
-                <a16:creationId xmlns:a16="http://schemas.microsoft.com/office/drawing/2014/main" id="{BCF29704-1D2F-4F12-979C-221082A37B20}"/>
+          <p:cNvPr id="74" name="מחבר ישר 73">
+            <a:extLst>
+              <a:ext uri="{FF2B5EF4-FFF2-40B4-BE49-F238E27FC236}">
+                <a16:creationId xmlns:a16="http://schemas.microsoft.com/office/drawing/2014/main" id="{4EFA36A3-68EC-7C98-D9F9-B669EFD18357}"/>
               </a:ext>
             </a:extLst>
           </p:cNvPr>
           <p:cNvCxnSpPr>
-            <a:stCxn id="11" idx="2"/>
+            <a:cxnSpLocks/>
+            <a:endCxn id="70" idx="1"/>
+          </p:cNvCxnSpPr>
+          <p:nvPr/>
+        </p:nvCxnSpPr>
+        <p:spPr>
+          <a:xfrm>
+            <a:off x="9609838" y="1576731"/>
+            <a:ext cx="481818" cy="0"/>
+          </a:xfrm>
+          <a:prstGeom prst="line">
+            <a:avLst/>
+          </a:prstGeom>
+        </p:spPr>
+        <p:style>
+          <a:lnRef idx="1">
+            <a:schemeClr val="accent1"/>
+          </a:lnRef>
+          <a:fillRef idx="0">
+            <a:schemeClr val="accent1"/>
+          </a:fillRef>
+          <a:effectRef idx="0">
+            <a:schemeClr val="accent1"/>
+          </a:effectRef>
+          <a:fontRef idx="minor">
+            <a:schemeClr val="tx1"/>
+          </a:fontRef>
+        </p:style>
+      </p:cxnSp>
+      <p:cxnSp>
+        <p:nvCxnSpPr>
+          <p:cNvPr id="75" name="מחבר ישר 74">
+            <a:extLst>
+              <a:ext uri="{FF2B5EF4-FFF2-40B4-BE49-F238E27FC236}">
+                <a16:creationId xmlns:a16="http://schemas.microsoft.com/office/drawing/2014/main" id="{3FCDF9B6-73F8-333A-F4E7-174917516859}"/>
+              </a:ext>
+            </a:extLst>
+          </p:cNvPr>
+          <p:cNvCxnSpPr>
+            <a:cxnSpLocks/>
+            <a:endCxn id="72" idx="1"/>
+          </p:cNvCxnSpPr>
+          <p:nvPr/>
+        </p:nvCxnSpPr>
+        <p:spPr>
+          <a:xfrm>
+            <a:off x="9609838" y="2196395"/>
+            <a:ext cx="481817" cy="0"/>
+          </a:xfrm>
+          <a:prstGeom prst="line">
+            <a:avLst/>
+          </a:prstGeom>
+        </p:spPr>
+        <p:style>
+          <a:lnRef idx="1">
+            <a:schemeClr val="accent1"/>
+          </a:lnRef>
+          <a:fillRef idx="0">
+            <a:schemeClr val="accent1"/>
+          </a:fillRef>
+          <a:effectRef idx="0">
+            <a:schemeClr val="accent1"/>
+          </a:effectRef>
+          <a:fontRef idx="minor">
+            <a:schemeClr val="tx1"/>
+          </a:fontRef>
+        </p:style>
+      </p:cxnSp>
+      <p:sp>
+        <p:nvSpPr>
+          <p:cNvPr id="76" name="מלבן 75">
+            <a:extLst>
+              <a:ext uri="{FF2B5EF4-FFF2-40B4-BE49-F238E27FC236}">
+                <a16:creationId xmlns:a16="http://schemas.microsoft.com/office/drawing/2014/main" id="{95077CF1-D031-9358-5EB3-98982683F47D}"/>
+              </a:ext>
+            </a:extLst>
+          </p:cNvPr>
+          <p:cNvSpPr/>
+          <p:nvPr/>
+        </p:nvSpPr>
+        <p:spPr>
+          <a:xfrm>
+            <a:off x="8016169" y="887963"/>
+            <a:ext cx="1593669" cy="511548"/>
+          </a:xfrm>
+          <a:prstGeom prst="rect">
+            <a:avLst/>
+          </a:prstGeom>
+        </p:spPr>
+        <p:style>
+          <a:lnRef idx="2">
+            <a:schemeClr val="accent1">
+              <a:shade val="50000"/>
+            </a:schemeClr>
+          </a:lnRef>
+          <a:fillRef idx="1">
+            <a:schemeClr val="accent1"/>
+          </a:fillRef>
+          <a:effectRef idx="0">
+            <a:schemeClr val="accent1"/>
+          </a:effectRef>
+          <a:fontRef idx="minor">
+            <a:schemeClr val="lt1"/>
+          </a:fontRef>
+        </p:style>
+        <p:txBody>
+          <a:bodyPr rtlCol="1" anchor="ctr"/>
+          <a:lstStyle/>
+          <a:p>
+            <a:pPr algn="ctr"/>
+            <a:endParaRPr lang="en-US" sz="1200" dirty="0"/>
+          </a:p>
+          <a:p>
+            <a:pPr algn="ctr"/>
+            <a:r>
+              <a:rPr lang="en-US" sz="1200" dirty="0" err="1"/>
+              <a:t>UserContextReducer</a:t>
+            </a:r>
+            <a:endParaRPr lang="en-US" sz="1200" dirty="0"/>
+          </a:p>
+          <a:p>
+            <a:pPr algn="ctr"/>
+            <a:endParaRPr lang="he-IL" sz="1200" dirty="0"/>
+          </a:p>
+        </p:txBody>
+      </p:sp>
+      <p:cxnSp>
+        <p:nvCxnSpPr>
+          <p:cNvPr id="77" name="מחבר ישר 76">
+            <a:extLst>
+              <a:ext uri="{FF2B5EF4-FFF2-40B4-BE49-F238E27FC236}">
+                <a16:creationId xmlns:a16="http://schemas.microsoft.com/office/drawing/2014/main" id="{B692B4C5-045E-E636-F72C-25A9B686F7C4}"/>
+              </a:ext>
+            </a:extLst>
+          </p:cNvPr>
+          <p:cNvCxnSpPr>
+            <a:cxnSpLocks/>
+            <a:stCxn id="3" idx="3"/>
+            <a:endCxn id="76" idx="1"/>
+          </p:cNvCxnSpPr>
+          <p:nvPr/>
+        </p:nvCxnSpPr>
+        <p:spPr>
+          <a:xfrm flipV="1">
+            <a:off x="6907349" y="1143737"/>
+            <a:ext cx="1108820" cy="1049"/>
+          </a:xfrm>
+          <a:prstGeom prst="line">
+            <a:avLst/>
+          </a:prstGeom>
+        </p:spPr>
+        <p:style>
+          <a:lnRef idx="1">
+            <a:schemeClr val="accent1"/>
+          </a:lnRef>
+          <a:fillRef idx="0">
+            <a:schemeClr val="accent1"/>
+          </a:fillRef>
+          <a:effectRef idx="0">
+            <a:schemeClr val="accent1"/>
+          </a:effectRef>
+          <a:fontRef idx="minor">
+            <a:schemeClr val="tx1"/>
+          </a:fontRef>
+        </p:style>
+      </p:cxnSp>
+      <p:sp>
+        <p:nvSpPr>
+          <p:cNvPr id="78" name="מלבן 77">
+            <a:extLst>
+              <a:ext uri="{FF2B5EF4-FFF2-40B4-BE49-F238E27FC236}">
+                <a16:creationId xmlns:a16="http://schemas.microsoft.com/office/drawing/2014/main" id="{FB5606A3-8F00-67FD-B9E7-F1B79B2D8D07}"/>
+              </a:ext>
+            </a:extLst>
+          </p:cNvPr>
+          <p:cNvSpPr/>
+          <p:nvPr/>
+        </p:nvSpPr>
+        <p:spPr>
+          <a:xfrm>
+            <a:off x="4418703" y="1642190"/>
+            <a:ext cx="1593669" cy="509451"/>
+          </a:xfrm>
+          <a:prstGeom prst="rect">
+            <a:avLst/>
+          </a:prstGeom>
+        </p:spPr>
+        <p:style>
+          <a:lnRef idx="2">
+            <a:schemeClr val="accent1">
+              <a:shade val="50000"/>
+            </a:schemeClr>
+          </a:lnRef>
+          <a:fillRef idx="1">
+            <a:schemeClr val="accent1"/>
+          </a:fillRef>
+          <a:effectRef idx="0">
+            <a:schemeClr val="accent1"/>
+          </a:effectRef>
+          <a:fontRef idx="minor">
+            <a:schemeClr val="lt1"/>
+          </a:fontRef>
+        </p:style>
+        <p:txBody>
+          <a:bodyPr rtlCol="1" anchor="ctr"/>
+          <a:lstStyle/>
+          <a:p>
+            <a:pPr algn="ctr"/>
+            <a:r>
+              <a:rPr lang="en-US" sz="1801" dirty="0" err="1"/>
+              <a:t>mobX</a:t>
+            </a:r>
+            <a:endParaRPr lang="he-IL" sz="1801" dirty="0"/>
+          </a:p>
+        </p:txBody>
+      </p:sp>
+      <p:cxnSp>
+        <p:nvCxnSpPr>
+          <p:cNvPr id="79" name="מחבר ישר 78">
+            <a:extLst>
+              <a:ext uri="{FF2B5EF4-FFF2-40B4-BE49-F238E27FC236}">
+                <a16:creationId xmlns:a16="http://schemas.microsoft.com/office/drawing/2014/main" id="{21F2AEB5-8839-068C-B88F-4908F86D2607}"/>
+              </a:ext>
+            </a:extLst>
+          </p:cNvPr>
+          <p:cNvCxnSpPr>
+            <a:stCxn id="12" idx="3"/>
+            <a:endCxn id="68" idx="1"/>
+          </p:cNvCxnSpPr>
+          <p:nvPr/>
+        </p:nvCxnSpPr>
+        <p:spPr>
+          <a:xfrm flipV="1">
+            <a:off x="7774169" y="1884580"/>
+            <a:ext cx="242016" cy="1618"/>
+          </a:xfrm>
+          <a:prstGeom prst="line">
+            <a:avLst/>
+          </a:prstGeom>
+        </p:spPr>
+        <p:style>
+          <a:lnRef idx="1">
+            <a:schemeClr val="accent1"/>
+          </a:lnRef>
+          <a:fillRef idx="0">
+            <a:schemeClr val="accent1"/>
+          </a:fillRef>
+          <a:effectRef idx="0">
+            <a:schemeClr val="accent1"/>
+          </a:effectRef>
+          <a:fontRef idx="minor">
+            <a:schemeClr val="tx1"/>
+          </a:fontRef>
+        </p:style>
+      </p:cxnSp>
+      <p:cxnSp>
+        <p:nvCxnSpPr>
+          <p:cNvPr id="80" name="מחבר ישר 79">
+            <a:extLst>
+              <a:ext uri="{FF2B5EF4-FFF2-40B4-BE49-F238E27FC236}">
+                <a16:creationId xmlns:a16="http://schemas.microsoft.com/office/drawing/2014/main" id="{FFABB19D-297F-2481-F2AC-4FA33763D8C1}"/>
+              </a:ext>
+            </a:extLst>
+          </p:cNvPr>
+          <p:cNvCxnSpPr>
+            <a:cxnSpLocks/>
+            <a:endCxn id="78" idx="0"/>
+          </p:cNvCxnSpPr>
+          <p:nvPr/>
+        </p:nvCxnSpPr>
+        <p:spPr>
+          <a:xfrm>
+            <a:off x="5215538" y="1392851"/>
+            <a:ext cx="0" cy="249339"/>
+          </a:xfrm>
+          <a:prstGeom prst="line">
+            <a:avLst/>
+          </a:prstGeom>
+        </p:spPr>
+        <p:style>
+          <a:lnRef idx="1">
+            <a:schemeClr val="accent1"/>
+          </a:lnRef>
+          <a:fillRef idx="0">
+            <a:schemeClr val="accent1"/>
+          </a:fillRef>
+          <a:effectRef idx="0">
+            <a:schemeClr val="accent1"/>
+          </a:effectRef>
+          <a:fontRef idx="minor">
+            <a:schemeClr val="tx1"/>
+          </a:fontRef>
+        </p:style>
+      </p:cxnSp>
+      <p:cxnSp>
+        <p:nvCxnSpPr>
+          <p:cNvPr id="81" name="מחבר ישר 80">
+            <a:extLst>
+              <a:ext uri="{FF2B5EF4-FFF2-40B4-BE49-F238E27FC236}">
+                <a16:creationId xmlns:a16="http://schemas.microsoft.com/office/drawing/2014/main" id="{51D04234-B577-7E7D-4B44-E578D7BC2049}"/>
+              </a:ext>
+            </a:extLst>
+          </p:cNvPr>
+          <p:cNvCxnSpPr>
+            <a:cxnSpLocks/>
+            <a:stCxn id="78" idx="2"/>
+          </p:cNvCxnSpPr>
+          <p:nvPr/>
+        </p:nvCxnSpPr>
+        <p:spPr>
+          <a:xfrm>
+            <a:off x="5215538" y="2151641"/>
+            <a:ext cx="0" cy="210056"/>
+          </a:xfrm>
+          <a:prstGeom prst="line">
+            <a:avLst/>
+          </a:prstGeom>
+        </p:spPr>
+        <p:style>
+          <a:lnRef idx="1">
+            <a:schemeClr val="accent1"/>
+          </a:lnRef>
+          <a:fillRef idx="0">
+            <a:schemeClr val="accent1"/>
+          </a:fillRef>
+          <a:effectRef idx="0">
+            <a:schemeClr val="accent1"/>
+          </a:effectRef>
+          <a:fontRef idx="minor">
+            <a:schemeClr val="tx1"/>
+          </a:fontRef>
+        </p:style>
+      </p:cxnSp>
+      <p:sp>
+        <p:nvSpPr>
+          <p:cNvPr id="82" name="מלבן 81">
+            <a:extLst>
+              <a:ext uri="{FF2B5EF4-FFF2-40B4-BE49-F238E27FC236}">
+                <a16:creationId xmlns:a16="http://schemas.microsoft.com/office/drawing/2014/main" id="{0FE1A3D5-4188-842C-ECF2-51AAD8DDD628}"/>
+              </a:ext>
+            </a:extLst>
+          </p:cNvPr>
+          <p:cNvSpPr/>
+          <p:nvPr/>
+        </p:nvSpPr>
+        <p:spPr>
+          <a:xfrm>
+            <a:off x="2139401" y="1665524"/>
+            <a:ext cx="1593669" cy="462784"/>
+          </a:xfrm>
+          <a:prstGeom prst="rect">
+            <a:avLst/>
+          </a:prstGeom>
+        </p:spPr>
+        <p:style>
+          <a:lnRef idx="2">
+            <a:schemeClr val="accent1">
+              <a:shade val="50000"/>
+            </a:schemeClr>
+          </a:lnRef>
+          <a:fillRef idx="1">
+            <a:schemeClr val="accent1"/>
+          </a:fillRef>
+          <a:effectRef idx="0">
+            <a:schemeClr val="accent1"/>
+          </a:effectRef>
+          <a:fontRef idx="minor">
+            <a:schemeClr val="lt1"/>
+          </a:fontRef>
+        </p:style>
+        <p:txBody>
+          <a:bodyPr rtlCol="1" anchor="ctr"/>
+          <a:lstStyle/>
+          <a:p>
+            <a:pPr algn="ctr"/>
+            <a:r>
+              <a:rPr lang="en-US" sz="1801" dirty="0" err="1"/>
+              <a:t>LoginStore</a:t>
+            </a:r>
+            <a:endParaRPr lang="he-IL" sz="1801" dirty="0"/>
+          </a:p>
+        </p:txBody>
+      </p:sp>
+      <p:cxnSp>
+        <p:nvCxnSpPr>
+          <p:cNvPr id="83" name="מחבר ישר 82">
+            <a:extLst>
+              <a:ext uri="{FF2B5EF4-FFF2-40B4-BE49-F238E27FC236}">
+                <a16:creationId xmlns:a16="http://schemas.microsoft.com/office/drawing/2014/main" id="{D69A3AD6-2CB0-FD5C-9C73-897F8B694FFC}"/>
+              </a:ext>
+            </a:extLst>
+          </p:cNvPr>
+          <p:cNvCxnSpPr>
+            <a:cxnSpLocks/>
+            <a:stCxn id="78" idx="1"/>
+            <a:endCxn id="82" idx="3"/>
           </p:cNvCxnSpPr>
           <p:nvPr/>
         </p:nvCxnSpPr>
         <p:spPr>
           <a:xfrm flipH="1">
-            <a:off x="8096069" y="4388939"/>
-            <a:ext cx="1" cy="1489775"/>
+            <a:off x="3733070" y="1896916"/>
+            <a:ext cx="685633" cy="0"/>
+          </a:xfrm>
+          <a:prstGeom prst="line">
+            <a:avLst/>
+          </a:prstGeom>
+        </p:spPr>
+        <p:style>
+          <a:lnRef idx="1">
+            <a:schemeClr val="accent1"/>
+          </a:lnRef>
+          <a:fillRef idx="0">
+            <a:schemeClr val="accent1"/>
+          </a:fillRef>
+          <a:effectRef idx="0">
+            <a:schemeClr val="accent1"/>
+          </a:effectRef>
+          <a:fontRef idx="minor">
+            <a:schemeClr val="tx1"/>
+          </a:fontRef>
+        </p:style>
+      </p:cxnSp>
+      <p:cxnSp>
+        <p:nvCxnSpPr>
+          <p:cNvPr id="84" name="מחבר ישר 83">
+            <a:extLst>
+              <a:ext uri="{FF2B5EF4-FFF2-40B4-BE49-F238E27FC236}">
+                <a16:creationId xmlns:a16="http://schemas.microsoft.com/office/drawing/2014/main" id="{48E444D9-206E-D022-8DA5-0C48A43ACCD9}"/>
+              </a:ext>
+            </a:extLst>
+          </p:cNvPr>
+          <p:cNvCxnSpPr>
+            <a:cxnSpLocks/>
+            <a:endCxn id="21" idx="0"/>
+          </p:cNvCxnSpPr>
+          <p:nvPr/>
+        </p:nvCxnSpPr>
+        <p:spPr>
+          <a:xfrm>
+            <a:off x="9294821" y="3616928"/>
+            <a:ext cx="0" cy="242595"/>
+          </a:xfrm>
+          <a:prstGeom prst="line">
+            <a:avLst/>
+          </a:prstGeom>
+        </p:spPr>
+        <p:style>
+          <a:lnRef idx="1">
+            <a:schemeClr val="accent1"/>
+          </a:lnRef>
+          <a:fillRef idx="0">
+            <a:schemeClr val="accent1"/>
+          </a:fillRef>
+          <a:effectRef idx="0">
+            <a:schemeClr val="accent1"/>
+          </a:effectRef>
+          <a:fontRef idx="minor">
+            <a:schemeClr val="tx1"/>
+          </a:fontRef>
+        </p:style>
+      </p:cxnSp>
+      <p:cxnSp>
+        <p:nvCxnSpPr>
+          <p:cNvPr id="85" name="מחבר ישר 84">
+            <a:extLst>
+              <a:ext uri="{FF2B5EF4-FFF2-40B4-BE49-F238E27FC236}">
+                <a16:creationId xmlns:a16="http://schemas.microsoft.com/office/drawing/2014/main" id="{1D8B73A7-4283-994C-4F69-190F85CACFD6}"/>
+              </a:ext>
+            </a:extLst>
+          </p:cNvPr>
+          <p:cNvCxnSpPr>
+            <a:cxnSpLocks/>
+          </p:cNvCxnSpPr>
+          <p:nvPr/>
+        </p:nvCxnSpPr>
+        <p:spPr>
+          <a:xfrm flipH="1">
+            <a:off x="5215538" y="1399511"/>
+            <a:ext cx="1761798" cy="0"/>
+          </a:xfrm>
+          <a:prstGeom prst="line">
+            <a:avLst/>
+          </a:prstGeom>
+        </p:spPr>
+        <p:style>
+          <a:lnRef idx="1">
+            <a:schemeClr val="accent1"/>
+          </a:lnRef>
+          <a:fillRef idx="0">
+            <a:schemeClr val="accent1"/>
+          </a:fillRef>
+          <a:effectRef idx="0">
+            <a:schemeClr val="accent1"/>
+          </a:effectRef>
+          <a:fontRef idx="minor">
+            <a:schemeClr val="tx1"/>
+          </a:fontRef>
+        </p:style>
+      </p:cxnSp>
+      <p:cxnSp>
+        <p:nvCxnSpPr>
+          <p:cNvPr id="86" name="מחבר ישר 85">
+            <a:extLst>
+              <a:ext uri="{FF2B5EF4-FFF2-40B4-BE49-F238E27FC236}">
+                <a16:creationId xmlns:a16="http://schemas.microsoft.com/office/drawing/2014/main" id="{24193752-DECB-9F03-B767-EE23AB8B5E1B}"/>
+              </a:ext>
+            </a:extLst>
+          </p:cNvPr>
+          <p:cNvCxnSpPr>
+            <a:cxnSpLocks/>
+          </p:cNvCxnSpPr>
+          <p:nvPr/>
+        </p:nvCxnSpPr>
+        <p:spPr>
+          <a:xfrm>
+            <a:off x="5215538" y="2361697"/>
+            <a:ext cx="1761797" cy="0"/>
+          </a:xfrm>
+          <a:prstGeom prst="line">
+            <a:avLst/>
+          </a:prstGeom>
+        </p:spPr>
+        <p:style>
+          <a:lnRef idx="1">
+            <a:schemeClr val="accent1"/>
+          </a:lnRef>
+          <a:fillRef idx="0">
+            <a:schemeClr val="accent1"/>
+          </a:fillRef>
+          <a:effectRef idx="0">
+            <a:schemeClr val="accent1"/>
+          </a:effectRef>
+          <a:fontRef idx="minor">
+            <a:schemeClr val="tx1"/>
+          </a:fontRef>
+        </p:style>
+      </p:cxnSp>
+      <p:cxnSp>
+        <p:nvCxnSpPr>
+          <p:cNvPr id="87" name="מחבר ישר 86">
+            <a:extLst>
+              <a:ext uri="{FF2B5EF4-FFF2-40B4-BE49-F238E27FC236}">
+                <a16:creationId xmlns:a16="http://schemas.microsoft.com/office/drawing/2014/main" id="{0341042A-BC54-7F0D-9AF6-61B3661DEFE7}"/>
+              </a:ext>
+            </a:extLst>
+          </p:cNvPr>
+          <p:cNvCxnSpPr/>
+          <p:nvPr/>
+        </p:nvCxnSpPr>
+        <p:spPr>
+          <a:xfrm flipH="1">
+            <a:off x="3943711" y="4395286"/>
+            <a:ext cx="4368439" cy="0"/>
+          </a:xfrm>
+          <a:prstGeom prst="line">
+            <a:avLst/>
+          </a:prstGeom>
+        </p:spPr>
+        <p:style>
+          <a:lnRef idx="1">
+            <a:schemeClr val="accent1"/>
+          </a:lnRef>
+          <a:fillRef idx="0">
+            <a:schemeClr val="accent1"/>
+          </a:fillRef>
+          <a:effectRef idx="0">
+            <a:schemeClr val="accent1"/>
+          </a:effectRef>
+          <a:fontRef idx="minor">
+            <a:schemeClr val="tx1"/>
+          </a:fontRef>
+        </p:style>
+      </p:cxnSp>
+      <p:cxnSp>
+        <p:nvCxnSpPr>
+          <p:cNvPr id="88" name="מחבר ישר 87">
+            <a:extLst>
+              <a:ext uri="{FF2B5EF4-FFF2-40B4-BE49-F238E27FC236}">
+                <a16:creationId xmlns:a16="http://schemas.microsoft.com/office/drawing/2014/main" id="{FA717A07-653C-5345-3B5A-65626D065C0F}"/>
+              </a:ext>
+            </a:extLst>
+          </p:cNvPr>
+          <p:cNvCxnSpPr/>
+          <p:nvPr/>
+        </p:nvCxnSpPr>
+        <p:spPr>
+          <a:xfrm>
+            <a:off x="9609838" y="1576731"/>
+            <a:ext cx="0" cy="619664"/>
           </a:xfrm>
           <a:prstGeom prst="line">
             <a:avLst/>
@@ -5037,65 +5772,65 @@
           <p:nvPr>
             <p:extLst>
               <p:ext uri="{D42A27DB-BD31-4B8C-83A1-F6EECF244321}">
-                <p14:modId xmlns:p14="http://schemas.microsoft.com/office/powerpoint/2010/main" val="224368898"/>
+                <p14:modId xmlns:p14="http://schemas.microsoft.com/office/powerpoint/2010/main" val="2116135931"/>
               </p:ext>
             </p:extLst>
           </p:nvPr>
         </p:nvGraphicFramePr>
         <p:xfrm>
-          <a:off x="479043" y="473679"/>
-          <a:ext cx="11233988" cy="5112597"/>
+          <a:off x="481781" y="411905"/>
+          <a:ext cx="11231250" cy="5905895"/>
         </p:xfrm>
         <a:graphic>
           <a:graphicData uri="http://schemas.openxmlformats.org/drawingml/2006/table">
             <a:tbl>
               <a:tblPr rtl="1" firstRow="1" bandRow="1">
-                <a:tableStyleId>{5C22544A-7EE6-4342-B048-85BDC9FD1C3A}</a:tableStyleId>
+                <a:tableStyleId>{7DF18680-E054-41AD-8BC1-D1AEF772440D}</a:tableStyleId>
               </a:tblPr>
               <a:tblGrid>
-                <a:gridCol w="1543127">
+                <a:gridCol w="1542751">
                   <a:extLst>
                     <a:ext uri="{9D8B030D-6E8A-4147-A177-3AD203B41FA5}">
                       <a16:colId xmlns:a16="http://schemas.microsoft.com/office/drawing/2014/main" val="3899471719"/>
                     </a:ext>
                   </a:extLst>
                 </a:gridCol>
-                <a:gridCol w="1521812">
+                <a:gridCol w="1521441">
                   <a:extLst>
                     <a:ext uri="{9D8B030D-6E8A-4147-A177-3AD203B41FA5}">
                       <a16:colId xmlns:a16="http://schemas.microsoft.com/office/drawing/2014/main" val="1880985765"/>
                     </a:ext>
                   </a:extLst>
                 </a:gridCol>
-                <a:gridCol w="2232775">
+                <a:gridCol w="2232231">
                   <a:extLst>
                     <a:ext uri="{9D8B030D-6E8A-4147-A177-3AD203B41FA5}">
                       <a16:colId xmlns:a16="http://schemas.microsoft.com/office/drawing/2014/main" val="3887272854"/>
                     </a:ext>
                   </a:extLst>
                 </a:gridCol>
-                <a:gridCol w="934707">
+                <a:gridCol w="934479">
                   <a:extLst>
                     <a:ext uri="{9D8B030D-6E8A-4147-A177-3AD203B41FA5}">
                       <a16:colId xmlns:a16="http://schemas.microsoft.com/office/drawing/2014/main" val="1989503371"/>
                     </a:ext>
                   </a:extLst>
                 </a:gridCol>
-                <a:gridCol w="1823011">
+                <a:gridCol w="1822567">
                   <a:extLst>
                     <a:ext uri="{9D8B030D-6E8A-4147-A177-3AD203B41FA5}">
                       <a16:colId xmlns:a16="http://schemas.microsoft.com/office/drawing/2014/main" val="2413159262"/>
                     </a:ext>
                   </a:extLst>
                 </a:gridCol>
-                <a:gridCol w="1698133">
+                <a:gridCol w="1697719">
                   <a:extLst>
                     <a:ext uri="{9D8B030D-6E8A-4147-A177-3AD203B41FA5}">
                       <a16:colId xmlns:a16="http://schemas.microsoft.com/office/drawing/2014/main" val="3564299130"/>
                     </a:ext>
                   </a:extLst>
                 </a:gridCol>
-                <a:gridCol w="1480423">
+                <a:gridCol w="1480062">
                   <a:extLst>
                     <a:ext uri="{9D8B030D-6E8A-4147-A177-3AD203B41FA5}">
                       <a16:colId xmlns:a16="http://schemas.microsoft.com/office/drawing/2014/main" val="3639081641"/>
@@ -5103,7 +5838,7 @@
                   </a:extLst>
                 </a:gridCol>
               </a:tblGrid>
-              <a:tr h="441852">
+              <a:tr h="446523">
                 <a:tc>
                   <a:txBody>
                     <a:bodyPr/>
@@ -5194,7 +5929,7 @@
                   </a:txBody>
                   <a:tcPr marT="45721" marB="45721"/>
                 </a:tc>
-                <a:tc rowSpan="8">
+                <a:tc rowSpan="9">
                   <a:txBody>
                     <a:bodyPr/>
                     <a:lstStyle/>
@@ -5239,7 +5974,7 @@
                   </a:ext>
                 </a:extLst>
               </a:tr>
-              <a:tr h="554554">
+              <a:tr h="560416">
                 <a:tc>
                   <a:txBody>
                     <a:bodyPr/>
@@ -5350,7 +6085,7 @@
                   </a:ext>
                 </a:extLst>
               </a:tr>
-              <a:tr h="389195">
+              <a:tr h="393309">
                 <a:tc gridSpan="6">
                   <a:txBody>
                     <a:bodyPr/>
@@ -5437,7 +6172,7 @@
                   </a:ext>
                 </a:extLst>
               </a:tr>
-              <a:tr h="618028">
+              <a:tr h="624561">
                 <a:tc>
                   <a:txBody>
                     <a:bodyPr/>
@@ -5522,14 +6257,11 @@
                         <a:t>Paging the </a:t>
                       </a:r>
                       <a:r>
-                        <a:rPr lang="en-US" sz="1200" b="0" i="0" kern="1200" dirty="0">
+                        <a:rPr lang="en-US" sz="1200" b="0" kern="1200" dirty="0">
                           <a:solidFill>
                             <a:schemeClr val="dk1"/>
                           </a:solidFill>
                           <a:effectLst/>
-                          <a:latin typeface="+mn-lt"/>
-                          <a:ea typeface="+mn-ea"/>
-                          <a:cs typeface="+mn-cs"/>
                         </a:rPr>
                         <a:t>framework</a:t>
                       </a:r>
@@ -5570,7 +6302,7 @@
                   </a:ext>
                 </a:extLst>
               </a:tr>
-              <a:tr h="434995">
+              <a:tr h="462035">
                 <a:tc>
                   <a:txBody>
                     <a:bodyPr/>
@@ -5599,20 +6331,14 @@
                             <a:schemeClr val="dk1"/>
                           </a:solidFill>
                           <a:effectLst/>
-                          <a:latin typeface="+mn-lt"/>
-                          <a:ea typeface="+mn-ea"/>
-                          <a:cs typeface="+mn-cs"/>
                         </a:rPr>
-                        <a:t>SingInAndUp</a:t>
+                        <a:t>userContextReducer</a:t>
                       </a:r>
                       <a:endParaRPr lang="en-US" sz="1200" b="0" kern="1200" dirty="0">
                         <a:solidFill>
                           <a:schemeClr val="dk1"/>
                         </a:solidFill>
                         <a:effectLst/>
-                        <a:latin typeface="+mn-lt"/>
-                        <a:ea typeface="+mn-ea"/>
-                        <a:cs typeface="+mn-cs"/>
                       </a:endParaRPr>
                     </a:p>
                     <a:p>
@@ -5674,14 +6400,11 @@
                     <a:p>
                       <a:pPr algn="l"/>
                       <a:r>
-                        <a:rPr lang="en-US" sz="1200" b="0" i="0" kern="1200" dirty="0">
+                        <a:rPr lang="en-US" sz="1200" b="0" kern="1200" dirty="0">
                           <a:solidFill>
                             <a:schemeClr val="dk1"/>
                           </a:solidFill>
                           <a:effectLst/>
-                          <a:latin typeface="+mn-lt"/>
-                          <a:ea typeface="+mn-ea"/>
-                          <a:cs typeface="+mn-cs"/>
                         </a:rPr>
                         <a:t>Placing the menu item,</a:t>
                       </a:r>
@@ -5689,26 +6412,20 @@
                     <a:p>
                       <a:pPr algn="l"/>
                       <a:r>
-                        <a:rPr lang="en-US" sz="1200" b="0" i="0" kern="1200" dirty="0">
+                        <a:rPr lang="en-US" sz="1200" b="0" kern="1200" dirty="0">
                           <a:solidFill>
                             <a:schemeClr val="dk1"/>
                           </a:solidFill>
                           <a:effectLst/>
-                          <a:latin typeface="+mn-lt"/>
-                          <a:ea typeface="+mn-ea"/>
-                          <a:cs typeface="+mn-cs"/>
                         </a:rPr>
                         <a:t>Create </a:t>
                       </a:r>
                       <a:r>
-                        <a:rPr lang="en-US" sz="1200" b="0" i="0" kern="1200" dirty="0" err="1">
+                        <a:rPr lang="en-US" sz="1200" b="0" kern="1200" dirty="0" err="1">
                           <a:solidFill>
                             <a:schemeClr val="dk1"/>
                           </a:solidFill>
                           <a:effectLst/>
-                          <a:latin typeface="+mn-lt"/>
-                          <a:ea typeface="+mn-ea"/>
-                          <a:cs typeface="+mn-cs"/>
                         </a:rPr>
                         <a:t>userContxt</a:t>
                       </a:r>
@@ -5757,7 +6474,7 @@
                   </a:ext>
                 </a:extLst>
               </a:tr>
-              <a:tr h="1327964">
+              <a:tr h="1386100">
                 <a:tc>
                   <a:txBody>
                     <a:bodyPr/>
@@ -5823,9 +6540,6 @@
                             <a:schemeClr val="dk1"/>
                           </a:solidFill>
                           <a:effectLst/>
-                          <a:latin typeface="+mn-lt"/>
-                          <a:ea typeface="+mn-ea"/>
-                          <a:cs typeface="+mn-cs"/>
                         </a:rPr>
                         <a:t>setIsOpenAddModal</a:t>
                       </a:r>
@@ -5834,9 +6548,6 @@
                           <a:schemeClr val="dk1"/>
                         </a:solidFill>
                         <a:effectLst/>
-                        <a:latin typeface="+mn-lt"/>
-                        <a:ea typeface="+mn-ea"/>
-                        <a:cs typeface="+mn-cs"/>
                       </a:endParaRPr>
                     </a:p>
                     <a:p>
@@ -5951,7 +6662,7 @@
                   </a:ext>
                 </a:extLst>
               </a:tr>
-              <a:tr h="618028">
+              <a:tr h="646848">
                 <a:tc>
                   <a:txBody>
                     <a:bodyPr/>
@@ -6073,7 +6784,7 @@
                   </a:ext>
                 </a:extLst>
               </a:tr>
-              <a:tr h="618028">
+              <a:tr h="646848">
                 <a:tc>
                   <a:txBody>
                     <a:bodyPr/>
@@ -6189,6 +6900,126 @@
                 <a:extLst>
                   <a:ext uri="{0D108BD9-81ED-4DB2-BD59-A6C34878D82A}">
                     <a16:rowId xmlns:a16="http://schemas.microsoft.com/office/drawing/2014/main" val="1489555147"/>
+                  </a:ext>
+                </a:extLst>
+              </a:tr>
+              <a:tr h="739255">
+                <a:tc>
+                  <a:txBody>
+                    <a:bodyPr/>
+                    <a:lstStyle/>
+                    <a:p>
+                      <a:pPr algn="l"/>
+                      <a:r>
+                        <a:rPr lang="en-US" sz="1200" dirty="0" err="1"/>
+                        <a:t>SignInOrUp</a:t>
+                      </a:r>
+                      <a:endParaRPr lang="he-IL" sz="1200" dirty="0"/>
+                    </a:p>
+                  </a:txBody>
+                  <a:tcPr marT="45721" marB="45721"/>
+                </a:tc>
+                <a:tc>
+                  <a:txBody>
+                    <a:bodyPr/>
+                    <a:lstStyle/>
+                    <a:p>
+                      <a:pPr algn="l" rtl="0"/>
+                      <a:r>
+                        <a:rPr lang="en-US" sz="1200" dirty="0" err="1"/>
+                        <a:t>MenuPage</a:t>
+                      </a:r>
+                      <a:endParaRPr lang="he-IL" sz="1200" dirty="0"/>
+                    </a:p>
+                  </a:txBody>
+                  <a:tcPr marT="45721" marB="45721"/>
+                </a:tc>
+                <a:tc>
+                  <a:txBody>
+                    <a:bodyPr/>
+                    <a:lstStyle/>
+                    <a:p>
+                      <a:pPr algn="l"/>
+                      <a:r>
+                        <a:rPr lang="en-US" sz="1200" dirty="0"/>
+                        <a:t>---</a:t>
+                      </a:r>
+                      <a:endParaRPr lang="he-IL" sz="1200" dirty="0"/>
+                    </a:p>
+                  </a:txBody>
+                  <a:tcPr marT="45721" marB="45721"/>
+                </a:tc>
+                <a:tc>
+                  <a:txBody>
+                    <a:bodyPr/>
+                    <a:lstStyle/>
+                    <a:p>
+                      <a:pPr algn="l"/>
+                      <a:r>
+                        <a:rPr lang="en-US" sz="1200" dirty="0"/>
+                        <a:t>---</a:t>
+                      </a:r>
+                      <a:endParaRPr lang="he-IL" sz="1200" dirty="0"/>
+                    </a:p>
+                  </a:txBody>
+                  <a:tcPr marT="45721" marB="45721"/>
+                </a:tc>
+                <a:tc>
+                  <a:txBody>
+                    <a:bodyPr/>
+                    <a:lstStyle/>
+                    <a:p>
+                      <a:pPr algn="l"/>
+                      <a:r>
+                        <a:rPr lang="en-US" sz="1400" dirty="0"/>
+                        <a:t>Dispatch the reducer and roll the</a:t>
+                      </a:r>
+                      <a:br>
+                        <a:rPr lang="en-US" sz="1400" dirty="0"/>
+                      </a:br>
+                      <a:r>
+                        <a:rPr lang="en-US" sz="1400" dirty="0"/>
+                        <a:t>user context</a:t>
+                      </a:r>
+                      <a:endParaRPr lang="he-IL" sz="1200" dirty="0"/>
+                    </a:p>
+                  </a:txBody>
+                  <a:tcPr marT="45721" marB="45721"/>
+                </a:tc>
+                <a:tc>
+                  <a:txBody>
+                    <a:bodyPr/>
+                    <a:lstStyle/>
+                    <a:p>
+                      <a:pPr algn="l"/>
+                      <a:r>
+                        <a:rPr lang="en-US" sz="1200" b="0" kern="1200" dirty="0" err="1">
+                          <a:solidFill>
+                            <a:schemeClr val="dk1"/>
+                          </a:solidFill>
+                          <a:effectLst/>
+                        </a:rPr>
+                        <a:t>UserContextReducer</a:t>
+                      </a:r>
+                      <a:endParaRPr lang="he-IL" sz="1200" dirty="0"/>
+                    </a:p>
+                  </a:txBody>
+                  <a:tcPr marT="45721" marB="45721"/>
+                </a:tc>
+                <a:tc vMerge="1">
+                  <a:txBody>
+                    <a:bodyPr/>
+                    <a:lstStyle/>
+                    <a:p>
+                      <a:pPr algn="r" rtl="1"/>
+                      <a:endParaRPr lang="he-IL" sz="2800" b="1" dirty="0"/>
+                    </a:p>
+                  </a:txBody>
+                  <a:tcPr marT="45721" marB="45721"/>
+                </a:tc>
+                <a:extLst>
+                  <a:ext uri="{0D108BD9-81ED-4DB2-BD59-A6C34878D82A}">
+                    <a16:rowId xmlns:a16="http://schemas.microsoft.com/office/drawing/2014/main" val="1275121310"/>
                   </a:ext>
                 </a:extLst>
               </a:tr>
@@ -6277,20 +7108,20 @@
           <p:nvPr>
             <p:extLst>
               <p:ext uri="{D42A27DB-BD31-4B8C-83A1-F6EECF244321}">
-                <p14:modId xmlns:p14="http://schemas.microsoft.com/office/powerpoint/2010/main" val="3561623104"/>
+                <p14:modId xmlns:p14="http://schemas.microsoft.com/office/powerpoint/2010/main" val="4142916046"/>
               </p:ext>
             </p:extLst>
           </p:nvPr>
         </p:nvGraphicFramePr>
         <p:xfrm>
-          <a:off x="612668" y="59309"/>
-          <a:ext cx="11188335" cy="6480081"/>
+          <a:off x="720643" y="72714"/>
+          <a:ext cx="11188335" cy="6828097"/>
         </p:xfrm>
         <a:graphic>
           <a:graphicData uri="http://schemas.openxmlformats.org/drawingml/2006/table">
             <a:tbl>
               <a:tblPr rtl="1" firstRow="1" bandRow="1">
-                <a:tableStyleId>{5C22544A-7EE6-4342-B048-85BDC9FD1C3A}</a:tableStyleId>
+                <a:tableStyleId>{7DF18680-E054-41AD-8BC1-D1AEF772440D}</a:tableStyleId>
               </a:tblPr>
               <a:tblGrid>
                 <a:gridCol w="1534999">
@@ -6343,7 +7174,7 @@
                   </a:extLst>
                 </a:gridCol>
               </a:tblGrid>
-              <a:tr h="267422">
+              <a:tr h="0">
                 <a:tc>
                   <a:txBody>
                     <a:bodyPr/>
@@ -6551,9 +7382,6 @@
                             <a:schemeClr val="dk1"/>
                           </a:solidFill>
                           <a:effectLst/>
-                          <a:latin typeface="+mn-lt"/>
-                          <a:ea typeface="+mn-ea"/>
-                          <a:cs typeface="+mn-cs"/>
                         </a:rPr>
                         <a:t>getRecipes</a:t>
                       </a:r>
@@ -6568,6 +7396,31 @@
                         <a:rPr lang="en-US" sz="1200" dirty="0" err="1"/>
                         <a:t>DeleteRecipe</a:t>
                       </a:r>
+                      <a:endParaRPr lang="he-IL" sz="1200" dirty="0"/>
+                    </a:p>
+                    <a:p>
+                      <a:pPr marL="0" indent="0" algn="l" rtl="0">
+                        <a:buFont typeface="Arial" panose="020B0604020202020204" pitchFamily="34" charset="0"/>
+                        <a:buNone/>
+                      </a:pPr>
+                      <a:r>
+                        <a:rPr lang="en-US" sz="1200" dirty="0" err="1"/>
+                        <a:t>mobX</a:t>
+                      </a:r>
+                      <a:r>
+                        <a:rPr lang="en-US" sz="1200" dirty="0"/>
+                        <a:t>:</a:t>
+                      </a:r>
+                    </a:p>
+                    <a:p>
+                      <a:pPr marL="171450" indent="-171450" algn="l" rtl="0">
+                        <a:buFont typeface="Arial" panose="020B0604020202020204" pitchFamily="34" charset="0"/>
+                        <a:buChar char="•"/>
+                      </a:pPr>
+                      <a:r>
+                        <a:rPr lang="en-US" sz="1200" dirty="0" err="1"/>
+                        <a:t>userId</a:t>
+                      </a:r>
                       <a:endParaRPr lang="en-US" sz="1200" dirty="0"/>
                     </a:p>
                   </a:txBody>
@@ -6607,7 +7460,22 @@
                       </a:r>
                       <a:r>
                         <a:rPr lang="en-US" sz="1200" dirty="0"/>
-                        <a:t> – to show the recipes</a:t>
+                        <a:t> – to show the recipes.</a:t>
+                      </a:r>
+                    </a:p>
+                    <a:p>
+                      <a:pPr algn="l" rtl="0"/>
+                      <a:r>
+                        <a:rPr lang="en-US" sz="1200" dirty="0"/>
+                        <a:t>Delete only after login and only if </a:t>
+                      </a:r>
+                      <a:r>
+                        <a:rPr lang="en-US" sz="1200" dirty="0" err="1"/>
+                        <a:t>authorId</a:t>
+                      </a:r>
+                      <a:r>
+                        <a:rPr lang="en-US" sz="1200" dirty="0"/>
+                        <a:t>.</a:t>
                       </a:r>
                       <a:endParaRPr lang="he-IL" sz="1200" dirty="0"/>
                     </a:p>
@@ -6748,9 +7616,6 @@
                             <a:schemeClr val="dk1"/>
                           </a:solidFill>
                           <a:effectLst/>
-                          <a:latin typeface="+mn-lt"/>
-                          <a:ea typeface="+mn-ea"/>
-                          <a:cs typeface="+mn-cs"/>
                         </a:rPr>
                         <a:t>useSelector</a:t>
                       </a:r>
@@ -7018,9 +7883,6 @@
                             <a:schemeClr val="dk1"/>
                           </a:solidFill>
                           <a:effectLst/>
-                          <a:latin typeface="+mn-lt"/>
-                          <a:ea typeface="+mn-ea"/>
-                          <a:cs typeface="+mn-cs"/>
                         </a:rPr>
                         <a:t>LoginRegisterWithApi</a:t>
                       </a:r>
@@ -7151,9 +8013,6 @@
                             <a:schemeClr val="dk1"/>
                           </a:solidFill>
                           <a:effectLst/>
-                          <a:latin typeface="+mn-lt"/>
-                          <a:ea typeface="+mn-ea"/>
-                          <a:cs typeface="+mn-cs"/>
                         </a:rPr>
                         <a:t>SingInAndUp</a:t>
                       </a:r>
@@ -7231,9 +8090,6 @@
                             <a:schemeClr val="dk1"/>
                           </a:solidFill>
                           <a:effectLst/>
-                          <a:latin typeface="+mn-lt"/>
-                          <a:ea typeface="+mn-ea"/>
-                          <a:cs typeface="+mn-cs"/>
                         </a:rPr>
                         <a:t>UserDetails</a:t>
                       </a:r>
@@ -7242,9 +8098,6 @@
                           <a:schemeClr val="dk1"/>
                         </a:solidFill>
                         <a:effectLst/>
-                        <a:latin typeface="+mn-lt"/>
-                        <a:ea typeface="+mn-ea"/>
-                        <a:cs typeface="+mn-cs"/>
                       </a:endParaRPr>
                     </a:p>
                     <a:p>
@@ -7306,9 +8159,6 @@
                             <a:schemeClr val="dk1"/>
                           </a:solidFill>
                           <a:effectLst/>
-                          <a:latin typeface="+mn-lt"/>
-                          <a:ea typeface="+mn-ea"/>
-                          <a:cs typeface="+mn-cs"/>
                         </a:rPr>
                         <a:t>SingInAndUp</a:t>
                       </a:r>
@@ -7317,9 +8167,6 @@
                           <a:schemeClr val="dk1"/>
                         </a:solidFill>
                         <a:effectLst/>
-                        <a:latin typeface="+mn-lt"/>
-                        <a:ea typeface="+mn-ea"/>
-                        <a:cs typeface="+mn-cs"/>
                       </a:endParaRPr>
                     </a:p>
                     <a:p>
@@ -7381,9 +8228,6 @@
                             <a:schemeClr val="dk1"/>
                           </a:solidFill>
                           <a:effectLst/>
-                          <a:latin typeface="+mn-lt"/>
-                          <a:ea typeface="+mn-ea"/>
-                          <a:cs typeface="+mn-cs"/>
                         </a:rPr>
                         <a:t>userContext</a:t>
                       </a:r>
@@ -7392,9 +8236,6 @@
                           <a:schemeClr val="dk1"/>
                         </a:solidFill>
                         <a:effectLst/>
-                        <a:latin typeface="+mn-lt"/>
-                        <a:ea typeface="+mn-ea"/>
-                        <a:cs typeface="+mn-cs"/>
                       </a:endParaRPr>
                     </a:p>
                     <a:p>
@@ -7421,9 +8262,6 @@
                             <a:schemeClr val="dk1"/>
                           </a:solidFill>
                           <a:effectLst/>
-                          <a:latin typeface="+mn-lt"/>
-                          <a:ea typeface="+mn-ea"/>
-                          <a:cs typeface="+mn-cs"/>
                         </a:rPr>
                         <a:t>userIdContext</a:t>
                       </a:r>
@@ -7432,9 +8270,6 @@
                           <a:schemeClr val="dk1"/>
                         </a:solidFill>
                         <a:effectLst/>
-                        <a:latin typeface="+mn-lt"/>
-                        <a:ea typeface="+mn-ea"/>
-                        <a:cs typeface="+mn-cs"/>
                       </a:endParaRPr>
                     </a:p>
                     <a:p>
@@ -7542,9 +8377,6 @@
                             <a:schemeClr val="dk1"/>
                           </a:solidFill>
                           <a:effectLst/>
-                          <a:latin typeface="+mn-lt"/>
-                          <a:ea typeface="+mn-ea"/>
-                          <a:cs typeface="+mn-cs"/>
                         </a:rPr>
                         <a:t>LoginRegisterWithApi</a:t>
                       </a:r>
@@ -7622,9 +8454,6 @@
                             <a:schemeClr val="dk1"/>
                           </a:solidFill>
                           <a:effectLst/>
-                          <a:latin typeface="+mn-lt"/>
-                          <a:ea typeface="+mn-ea"/>
-                          <a:cs typeface="+mn-cs"/>
                         </a:rPr>
                         <a:t>LoginAndRegister</a:t>
                       </a:r>
@@ -7718,9 +8547,6 @@
                             <a:schemeClr val="dk1"/>
                           </a:solidFill>
                           <a:effectLst/>
-                          <a:latin typeface="+mn-lt"/>
-                          <a:ea typeface="+mn-ea"/>
-                          <a:cs typeface="+mn-cs"/>
                         </a:rPr>
                         <a:t>UserDetails</a:t>
                       </a:r>
@@ -7782,9 +8608,6 @@
                             <a:schemeClr val="dk1"/>
                           </a:solidFill>
                           <a:effectLst/>
-                          <a:latin typeface="+mn-lt"/>
-                          <a:ea typeface="+mn-ea"/>
-                          <a:cs typeface="+mn-cs"/>
                         </a:rPr>
                         <a:t>UserNameAndAvatr</a:t>
                       </a:r>
